--- a/docs/concepts/dashboard-wireframe.pptx
+++ b/docs/concepts/dashboard-wireframe.pptx
@@ -108,6 +108,11 @@
       </a:defRPr>
     </a:lvl9pPr>
   </p:defaultTextStyle>
+  <p:extLst>
+    <p:ext uri="{EFAFB233-063F-42B5-8137-9DF3F51BA10A}">
+      <p15:sldGuideLst xmlns:p15="http://schemas.microsoft.com/office/powerpoint/2012/main"/>
+    </p:ext>
+  </p:extLst>
 </p:presentation>
 </file>
 
@@ -193,7 +198,7 @@
           <a:p>
             <a:fld id="{3766C44B-53EF-BE44-990E-3F0AD29AC0A6}" type="datetimeFigureOut">
               <a:rPr lang="en-US" smtClean="0"/>
-              <a:t>7/2/22</a:t>
+              <a:t>7/11/22</a:t>
             </a:fld>
             <a:endParaRPr lang="en-US"/>
           </a:p>
@@ -899,7 +904,7 @@
           <a:p>
             <a:fld id="{942E4721-803B-334F-9505-91777EDC8CAF}" type="datetimeFigureOut">
               <a:rPr lang="en-US" smtClean="0"/>
-              <a:t>7/2/22</a:t>
+              <a:t>7/11/22</a:t>
             </a:fld>
             <a:endParaRPr lang="en-US"/>
           </a:p>
@@ -1097,7 +1102,7 @@
           <a:p>
             <a:fld id="{942E4721-803B-334F-9505-91777EDC8CAF}" type="datetimeFigureOut">
               <a:rPr lang="en-US" smtClean="0"/>
-              <a:t>7/2/22</a:t>
+              <a:t>7/11/22</a:t>
             </a:fld>
             <a:endParaRPr lang="en-US"/>
           </a:p>
@@ -1305,7 +1310,7 @@
           <a:p>
             <a:fld id="{942E4721-803B-334F-9505-91777EDC8CAF}" type="datetimeFigureOut">
               <a:rPr lang="en-US" smtClean="0"/>
-              <a:t>7/2/22</a:t>
+              <a:t>7/11/22</a:t>
             </a:fld>
             <a:endParaRPr lang="en-US"/>
           </a:p>
@@ -1503,7 +1508,7 @@
           <a:p>
             <a:fld id="{942E4721-803B-334F-9505-91777EDC8CAF}" type="datetimeFigureOut">
               <a:rPr lang="en-US" smtClean="0"/>
-              <a:t>7/2/22</a:t>
+              <a:t>7/11/22</a:t>
             </a:fld>
             <a:endParaRPr lang="en-US"/>
           </a:p>
@@ -1778,7 +1783,7 @@
           <a:p>
             <a:fld id="{942E4721-803B-334F-9505-91777EDC8CAF}" type="datetimeFigureOut">
               <a:rPr lang="en-US" smtClean="0"/>
-              <a:t>7/2/22</a:t>
+              <a:t>7/11/22</a:t>
             </a:fld>
             <a:endParaRPr lang="en-US"/>
           </a:p>
@@ -2043,7 +2048,7 @@
           <a:p>
             <a:fld id="{942E4721-803B-334F-9505-91777EDC8CAF}" type="datetimeFigureOut">
               <a:rPr lang="en-US" smtClean="0"/>
-              <a:t>7/2/22</a:t>
+              <a:t>7/11/22</a:t>
             </a:fld>
             <a:endParaRPr lang="en-US"/>
           </a:p>
@@ -2455,7 +2460,7 @@
           <a:p>
             <a:fld id="{942E4721-803B-334F-9505-91777EDC8CAF}" type="datetimeFigureOut">
               <a:rPr lang="en-US" smtClean="0"/>
-              <a:t>7/2/22</a:t>
+              <a:t>7/11/22</a:t>
             </a:fld>
             <a:endParaRPr lang="en-US"/>
           </a:p>
@@ -2596,7 +2601,7 @@
           <a:p>
             <a:fld id="{942E4721-803B-334F-9505-91777EDC8CAF}" type="datetimeFigureOut">
               <a:rPr lang="en-US" smtClean="0"/>
-              <a:t>7/2/22</a:t>
+              <a:t>7/11/22</a:t>
             </a:fld>
             <a:endParaRPr lang="en-US"/>
           </a:p>
@@ -2709,7 +2714,7 @@
           <a:p>
             <a:fld id="{942E4721-803B-334F-9505-91777EDC8CAF}" type="datetimeFigureOut">
               <a:rPr lang="en-US" smtClean="0"/>
-              <a:t>7/2/22</a:t>
+              <a:t>7/11/22</a:t>
             </a:fld>
             <a:endParaRPr lang="en-US"/>
           </a:p>
@@ -3020,7 +3025,7 @@
           <a:p>
             <a:fld id="{942E4721-803B-334F-9505-91777EDC8CAF}" type="datetimeFigureOut">
               <a:rPr lang="en-US" smtClean="0"/>
-              <a:t>7/2/22</a:t>
+              <a:t>7/11/22</a:t>
             </a:fld>
             <a:endParaRPr lang="en-US"/>
           </a:p>
@@ -3308,7 +3313,7 @@
           <a:p>
             <a:fld id="{942E4721-803B-334F-9505-91777EDC8CAF}" type="datetimeFigureOut">
               <a:rPr lang="en-US" smtClean="0"/>
-              <a:t>7/2/22</a:t>
+              <a:t>7/11/22</a:t>
             </a:fld>
             <a:endParaRPr lang="en-US"/>
           </a:p>
@@ -3549,7 +3554,7 @@
           <a:p>
             <a:fld id="{942E4721-803B-334F-9505-91777EDC8CAF}" type="datetimeFigureOut">
               <a:rPr lang="en-US" smtClean="0"/>
-              <a:t>7/2/22</a:t>
+              <a:t>7/11/22</a:t>
             </a:fld>
             <a:endParaRPr lang="en-US"/>
           </a:p>
@@ -3980,8 +3985,8 @@
         </p:nvSpPr>
         <p:spPr>
           <a:xfrm>
-            <a:off x="2558903" y="6195228"/>
-            <a:ext cx="4423144" cy="510363"/>
+            <a:off x="6051665" y="5408418"/>
+            <a:ext cx="4694309" cy="510363"/>
           </a:xfrm>
           <a:prstGeom prst="rect">
             <a:avLst/>
@@ -4031,8 +4036,8 @@
         </p:nvSpPr>
         <p:spPr>
           <a:xfrm>
-            <a:off x="2534093" y="5213493"/>
-            <a:ext cx="4423144" cy="510363"/>
+            <a:off x="5985164" y="4426683"/>
+            <a:ext cx="4736000" cy="510363"/>
           </a:xfrm>
           <a:prstGeom prst="rect">
             <a:avLst/>
@@ -4082,8 +4087,8 @@
         </p:nvSpPr>
         <p:spPr>
           <a:xfrm>
-            <a:off x="2555358" y="4320362"/>
-            <a:ext cx="4423144" cy="510363"/>
+            <a:off x="5968538" y="3533552"/>
+            <a:ext cx="4773891" cy="510363"/>
           </a:xfrm>
           <a:prstGeom prst="rect">
             <a:avLst/>
@@ -4133,8 +4138,8 @@
         </p:nvSpPr>
         <p:spPr>
           <a:xfrm>
-            <a:off x="2402958" y="3189768"/>
-            <a:ext cx="4423144" cy="510363"/>
+            <a:off x="5918662" y="2402958"/>
+            <a:ext cx="4671367" cy="510363"/>
           </a:xfrm>
           <a:prstGeom prst="rect">
             <a:avLst/>
@@ -4184,7 +4189,7 @@
         </p:nvSpPr>
         <p:spPr>
           <a:xfrm>
-            <a:off x="2708524" y="1399627"/>
+            <a:off x="2751055" y="910529"/>
             <a:ext cx="1948675" cy="369332"/>
           </a:xfrm>
           <a:prstGeom prst="rect">
@@ -4219,7 +4224,7 @@
         </p:nvSpPr>
         <p:spPr>
           <a:xfrm>
-            <a:off x="2476381" y="2626047"/>
+            <a:off x="6240308" y="1839237"/>
             <a:ext cx="1077026" cy="369332"/>
           </a:xfrm>
           <a:prstGeom prst="rect">
@@ -4254,7 +4259,7 @@
         </p:nvSpPr>
         <p:spPr>
           <a:xfrm>
-            <a:off x="4392327" y="2636827"/>
+            <a:off x="8156254" y="1850017"/>
             <a:ext cx="578969" cy="430799"/>
           </a:xfrm>
           <a:prstGeom prst="ellipse">
@@ -4309,7 +4314,7 @@
         </p:nvSpPr>
         <p:spPr>
           <a:xfrm>
-            <a:off x="5150370" y="2611099"/>
+            <a:off x="8914297" y="1824289"/>
             <a:ext cx="578969" cy="430799"/>
           </a:xfrm>
           <a:prstGeom prst="ellipse">
@@ -4364,7 +4369,7 @@
         </p:nvSpPr>
         <p:spPr>
           <a:xfrm>
-            <a:off x="5872785" y="2620995"/>
+            <a:off x="9636712" y="1834185"/>
             <a:ext cx="578969" cy="430799"/>
           </a:xfrm>
           <a:prstGeom prst="ellipse">
@@ -4419,7 +4424,7 @@
         </p:nvSpPr>
         <p:spPr>
           <a:xfrm>
-            <a:off x="1919337" y="2339944"/>
+            <a:off x="6002239" y="-126810"/>
             <a:ext cx="184731" cy="369332"/>
           </a:xfrm>
           <a:prstGeom prst="rect">
@@ -4451,7 +4456,7 @@
         </p:nvSpPr>
         <p:spPr>
           <a:xfrm>
-            <a:off x="2486277" y="3194083"/>
+            <a:off x="6250204" y="2407273"/>
             <a:ext cx="1385316" cy="369332"/>
           </a:xfrm>
           <a:prstGeom prst="rect">
@@ -4486,7 +4491,7 @@
         </p:nvSpPr>
         <p:spPr>
           <a:xfrm>
-            <a:off x="2508601" y="3842761"/>
+            <a:off x="6272528" y="3055951"/>
             <a:ext cx="1409360" cy="369332"/>
           </a:xfrm>
           <a:prstGeom prst="rect">
@@ -4521,7 +4526,7 @@
         </p:nvSpPr>
         <p:spPr>
           <a:xfrm>
-            <a:off x="2562882" y="4291848"/>
+            <a:off x="6326809" y="3505038"/>
             <a:ext cx="1772793" cy="369332"/>
           </a:xfrm>
           <a:prstGeom prst="rect">
@@ -4559,7 +4564,7 @@
         </p:nvSpPr>
         <p:spPr>
           <a:xfrm>
-            <a:off x="2526958" y="4800117"/>
+            <a:off x="6290885" y="4013307"/>
             <a:ext cx="1253869" cy="369332"/>
           </a:xfrm>
           <a:prstGeom prst="rect">
@@ -4602,7 +4607,7 @@
         </p:nvSpPr>
         <p:spPr>
           <a:xfrm>
-            <a:off x="2515247" y="5216190"/>
+            <a:off x="6279174" y="4429380"/>
             <a:ext cx="702436" cy="369332"/>
           </a:xfrm>
           <a:prstGeom prst="rect">
@@ -4643,7 +4648,7 @@
         </p:nvSpPr>
         <p:spPr>
           <a:xfrm>
-            <a:off x="2490984" y="5732022"/>
+            <a:off x="6254911" y="4945212"/>
             <a:ext cx="1939955" cy="369332"/>
           </a:xfrm>
           <a:prstGeom prst="rect">
@@ -4684,7 +4689,7 @@
         </p:nvSpPr>
         <p:spPr>
           <a:xfrm>
-            <a:off x="2302441" y="6308012"/>
+            <a:off x="6066368" y="5521202"/>
             <a:ext cx="2228431" cy="369332"/>
           </a:xfrm>
           <a:prstGeom prst="rect">
@@ -4718,7 +4723,7 @@
         </p:nvSpPr>
         <p:spPr>
           <a:xfrm>
-            <a:off x="4474990" y="3218984"/>
+            <a:off x="8238917" y="2432174"/>
             <a:ext cx="578969" cy="430799"/>
           </a:xfrm>
           <a:prstGeom prst="ellipse">
@@ -4773,7 +4778,7 @@
         </p:nvSpPr>
         <p:spPr>
           <a:xfrm>
-            <a:off x="5233033" y="3235786"/>
+            <a:off x="8996960" y="2448976"/>
             <a:ext cx="578969" cy="430799"/>
           </a:xfrm>
           <a:prstGeom prst="ellipse">
@@ -4828,7 +4833,7 @@
         </p:nvSpPr>
         <p:spPr>
           <a:xfrm>
-            <a:off x="6019244" y="3224415"/>
+            <a:off x="9783171" y="2437605"/>
             <a:ext cx="578969" cy="430799"/>
           </a:xfrm>
           <a:prstGeom prst="ellipse">
@@ -4883,7 +4888,7 @@
         </p:nvSpPr>
         <p:spPr>
           <a:xfrm>
-            <a:off x="4473010" y="3787017"/>
+            <a:off x="8236937" y="3000207"/>
             <a:ext cx="578969" cy="430799"/>
           </a:xfrm>
           <a:prstGeom prst="ellipse">
@@ -4938,7 +4943,7 @@
         </p:nvSpPr>
         <p:spPr>
           <a:xfrm>
-            <a:off x="5252319" y="3803819"/>
+            <a:off x="9016246" y="3017009"/>
             <a:ext cx="578969" cy="430799"/>
           </a:xfrm>
           <a:prstGeom prst="ellipse">
@@ -4993,7 +4998,7 @@
         </p:nvSpPr>
         <p:spPr>
           <a:xfrm>
-            <a:off x="6081058" y="3771187"/>
+            <a:off x="9844985" y="2984377"/>
             <a:ext cx="578969" cy="430799"/>
           </a:xfrm>
           <a:prstGeom prst="ellipse">
@@ -5048,7 +5053,7 @@
         </p:nvSpPr>
         <p:spPr>
           <a:xfrm>
-            <a:off x="4546707" y="4882667"/>
+            <a:off x="8310634" y="4095857"/>
             <a:ext cx="578969" cy="430799"/>
           </a:xfrm>
           <a:prstGeom prst="ellipse">
@@ -5103,7 +5108,7 @@
         </p:nvSpPr>
         <p:spPr>
           <a:xfrm>
-            <a:off x="5304750" y="4920734"/>
+            <a:off x="9068677" y="4133924"/>
             <a:ext cx="578969" cy="430799"/>
           </a:xfrm>
           <a:prstGeom prst="ellipse">
@@ -5158,7 +5163,7 @@
         </p:nvSpPr>
         <p:spPr>
           <a:xfrm>
-            <a:off x="6027165" y="4930630"/>
+            <a:off x="9791092" y="4143820"/>
             <a:ext cx="578969" cy="430799"/>
           </a:xfrm>
           <a:prstGeom prst="ellipse">
@@ -5213,7 +5218,7 @@
         </p:nvSpPr>
         <p:spPr>
           <a:xfrm>
-            <a:off x="4544727" y="5514497"/>
+            <a:off x="8308654" y="4727687"/>
             <a:ext cx="578969" cy="430799"/>
           </a:xfrm>
           <a:prstGeom prst="ellipse">
@@ -5268,7 +5273,7 @@
         </p:nvSpPr>
         <p:spPr>
           <a:xfrm>
-            <a:off x="5302770" y="5488769"/>
+            <a:off x="9066697" y="4701959"/>
             <a:ext cx="578969" cy="430799"/>
           </a:xfrm>
           <a:prstGeom prst="ellipse">
@@ -5323,7 +5328,7 @@
         </p:nvSpPr>
         <p:spPr>
           <a:xfrm>
-            <a:off x="6025185" y="5498665"/>
+            <a:off x="9789112" y="4711855"/>
             <a:ext cx="578969" cy="430799"/>
           </a:xfrm>
           <a:prstGeom prst="ellipse">
@@ -5378,7 +5383,7 @@
         </p:nvSpPr>
         <p:spPr>
           <a:xfrm>
-            <a:off x="4534928" y="6243973"/>
+            <a:off x="8298855" y="5457163"/>
             <a:ext cx="578969" cy="430799"/>
           </a:xfrm>
           <a:prstGeom prst="ellipse">
@@ -5433,7 +5438,7 @@
         </p:nvSpPr>
         <p:spPr>
           <a:xfrm>
-            <a:off x="5292971" y="6218245"/>
+            <a:off x="9056898" y="5431435"/>
             <a:ext cx="578969" cy="430799"/>
           </a:xfrm>
           <a:prstGeom prst="ellipse">
@@ -5488,7 +5493,7 @@
         </p:nvSpPr>
         <p:spPr>
           <a:xfrm>
-            <a:off x="6015386" y="6228141"/>
+            <a:off x="9779313" y="5441331"/>
             <a:ext cx="578969" cy="430799"/>
           </a:xfrm>
           <a:prstGeom prst="ellipse">
@@ -5556,8 +5561,8 @@
         </p:blipFill>
         <p:spPr bwMode="auto">
           <a:xfrm>
-            <a:off x="4892868" y="759636"/>
-            <a:ext cx="1210221" cy="1142987"/>
+            <a:off x="2893947" y="1929217"/>
+            <a:ext cx="2167151" cy="2046755"/>
           </a:xfrm>
           <a:prstGeom prst="rect">
             <a:avLst/>
@@ -5596,8 +5601,8 @@
         </p:blipFill>
         <p:spPr>
           <a:xfrm>
-            <a:off x="7200718" y="2576289"/>
-            <a:ext cx="3867150" cy="3814382"/>
+            <a:off x="3074125" y="4372392"/>
+            <a:ext cx="1858222" cy="1832867"/>
           </a:xfrm>
           <a:prstGeom prst="rect">
             <a:avLst/>
@@ -5653,7 +5658,7 @@
         </p:nvSpPr>
         <p:spPr>
           <a:xfrm>
-            <a:off x="2437394" y="2012903"/>
+            <a:off x="6201321" y="1226093"/>
             <a:ext cx="1335622" cy="584775"/>
           </a:xfrm>
           <a:prstGeom prst="rect">
@@ -5688,7 +5693,7 @@
         </p:nvSpPr>
         <p:spPr>
           <a:xfrm>
-            <a:off x="4439859" y="1995182"/>
+            <a:off x="8203786" y="1208372"/>
             <a:ext cx="1814343" cy="584775"/>
           </a:xfrm>
           <a:prstGeom prst="rect">
@@ -5763,7 +5768,7 @@
         </p:nvCxnSpPr>
         <p:spPr>
           <a:xfrm>
-            <a:off x="2704214" y="2066260"/>
+            <a:off x="2853069" y="6085366"/>
             <a:ext cx="8548577" cy="0"/>
           </a:xfrm>
           <a:prstGeom prst="line">
@@ -5799,7 +5804,7 @@
         </p:nvSpPr>
         <p:spPr>
           <a:xfrm>
-            <a:off x="4497820" y="4364717"/>
+            <a:off x="8261747" y="3577907"/>
             <a:ext cx="578969" cy="430799"/>
           </a:xfrm>
           <a:prstGeom prst="ellipse">
@@ -5854,7 +5859,7 @@
         </p:nvSpPr>
         <p:spPr>
           <a:xfrm>
-            <a:off x="5277129" y="4381519"/>
+            <a:off x="9041056" y="3594709"/>
             <a:ext cx="578969" cy="430799"/>
           </a:xfrm>
           <a:prstGeom prst="ellipse">
@@ -5909,7 +5914,7 @@
         </p:nvSpPr>
         <p:spPr>
           <a:xfrm>
-            <a:off x="6105868" y="4348887"/>
+            <a:off x="9869795" y="3562077"/>
             <a:ext cx="578969" cy="430799"/>
           </a:xfrm>
           <a:prstGeom prst="ellipse">

--- a/docs/concepts/dashboard-wireframe.pptx
+++ b/docs/concepts/dashboard-wireframe.pptx
@@ -198,7 +198,7 @@
           <a:p>
             <a:fld id="{3766C44B-53EF-BE44-990E-3F0AD29AC0A6}" type="datetimeFigureOut">
               <a:rPr lang="en-US" smtClean="0"/>
-              <a:t>7/11/22</a:t>
+              <a:t>7/14/22</a:t>
             </a:fld>
             <a:endParaRPr lang="en-US"/>
           </a:p>
@@ -904,7 +904,7 @@
           <a:p>
             <a:fld id="{942E4721-803B-334F-9505-91777EDC8CAF}" type="datetimeFigureOut">
               <a:rPr lang="en-US" smtClean="0"/>
-              <a:t>7/11/22</a:t>
+              <a:t>7/14/22</a:t>
             </a:fld>
             <a:endParaRPr lang="en-US"/>
           </a:p>
@@ -1102,7 +1102,7 @@
           <a:p>
             <a:fld id="{942E4721-803B-334F-9505-91777EDC8CAF}" type="datetimeFigureOut">
               <a:rPr lang="en-US" smtClean="0"/>
-              <a:t>7/11/22</a:t>
+              <a:t>7/14/22</a:t>
             </a:fld>
             <a:endParaRPr lang="en-US"/>
           </a:p>
@@ -1310,7 +1310,7 @@
           <a:p>
             <a:fld id="{942E4721-803B-334F-9505-91777EDC8CAF}" type="datetimeFigureOut">
               <a:rPr lang="en-US" smtClean="0"/>
-              <a:t>7/11/22</a:t>
+              <a:t>7/14/22</a:t>
             </a:fld>
             <a:endParaRPr lang="en-US"/>
           </a:p>
@@ -1508,7 +1508,7 @@
           <a:p>
             <a:fld id="{942E4721-803B-334F-9505-91777EDC8CAF}" type="datetimeFigureOut">
               <a:rPr lang="en-US" smtClean="0"/>
-              <a:t>7/11/22</a:t>
+              <a:t>7/14/22</a:t>
             </a:fld>
             <a:endParaRPr lang="en-US"/>
           </a:p>
@@ -1783,7 +1783,7 @@
           <a:p>
             <a:fld id="{942E4721-803B-334F-9505-91777EDC8CAF}" type="datetimeFigureOut">
               <a:rPr lang="en-US" smtClean="0"/>
-              <a:t>7/11/22</a:t>
+              <a:t>7/14/22</a:t>
             </a:fld>
             <a:endParaRPr lang="en-US"/>
           </a:p>
@@ -2048,7 +2048,7 @@
           <a:p>
             <a:fld id="{942E4721-803B-334F-9505-91777EDC8CAF}" type="datetimeFigureOut">
               <a:rPr lang="en-US" smtClean="0"/>
-              <a:t>7/11/22</a:t>
+              <a:t>7/14/22</a:t>
             </a:fld>
             <a:endParaRPr lang="en-US"/>
           </a:p>
@@ -2460,7 +2460,7 @@
           <a:p>
             <a:fld id="{942E4721-803B-334F-9505-91777EDC8CAF}" type="datetimeFigureOut">
               <a:rPr lang="en-US" smtClean="0"/>
-              <a:t>7/11/22</a:t>
+              <a:t>7/14/22</a:t>
             </a:fld>
             <a:endParaRPr lang="en-US"/>
           </a:p>
@@ -2601,7 +2601,7 @@
           <a:p>
             <a:fld id="{942E4721-803B-334F-9505-91777EDC8CAF}" type="datetimeFigureOut">
               <a:rPr lang="en-US" smtClean="0"/>
-              <a:t>7/11/22</a:t>
+              <a:t>7/14/22</a:t>
             </a:fld>
             <a:endParaRPr lang="en-US"/>
           </a:p>
@@ -2714,7 +2714,7 @@
           <a:p>
             <a:fld id="{942E4721-803B-334F-9505-91777EDC8CAF}" type="datetimeFigureOut">
               <a:rPr lang="en-US" smtClean="0"/>
-              <a:t>7/11/22</a:t>
+              <a:t>7/14/22</a:t>
             </a:fld>
             <a:endParaRPr lang="en-US"/>
           </a:p>
@@ -3025,7 +3025,7 @@
           <a:p>
             <a:fld id="{942E4721-803B-334F-9505-91777EDC8CAF}" type="datetimeFigureOut">
               <a:rPr lang="en-US" smtClean="0"/>
-              <a:t>7/11/22</a:t>
+              <a:t>7/14/22</a:t>
             </a:fld>
             <a:endParaRPr lang="en-US"/>
           </a:p>
@@ -3313,7 +3313,7 @@
           <a:p>
             <a:fld id="{942E4721-803B-334F-9505-91777EDC8CAF}" type="datetimeFigureOut">
               <a:rPr lang="en-US" smtClean="0"/>
-              <a:t>7/11/22</a:t>
+              <a:t>7/14/22</a:t>
             </a:fld>
             <a:endParaRPr lang="en-US"/>
           </a:p>
@@ -3554,7 +3554,7 @@
           <a:p>
             <a:fld id="{942E4721-803B-334F-9505-91777EDC8CAF}" type="datetimeFigureOut">
               <a:rPr lang="en-US" smtClean="0"/>
-              <a:t>7/11/22</a:t>
+              <a:t>7/14/22</a:t>
             </a:fld>
             <a:endParaRPr lang="en-US"/>
           </a:p>
@@ -6635,7 +6635,7 @@
         </p:blipFill>
         <p:spPr>
           <a:xfrm>
-            <a:off x="7036130" y="2171798"/>
+            <a:off x="7601396" y="0"/>
             <a:ext cx="4245429" cy="679269"/>
           </a:xfrm>
           <a:prstGeom prst="rect">

--- a/docs/concepts/dashboard-wireframe.pptx
+++ b/docs/concepts/dashboard-wireframe.pptx
@@ -5,11 +5,12 @@
     <p:sldMasterId id="2147483648" r:id="rId1"/>
   </p:sldMasterIdLst>
   <p:notesMasterIdLst>
-    <p:notesMasterId r:id="rId4"/>
+    <p:notesMasterId r:id="rId5"/>
   </p:notesMasterIdLst>
   <p:sldIdLst>
     <p:sldId id="256" r:id="rId2"/>
-    <p:sldId id="257" r:id="rId3"/>
+    <p:sldId id="258" r:id="rId3"/>
+    <p:sldId id="257" r:id="rId4"/>
   </p:sldIdLst>
   <p:sldSz cx="12192000" cy="6858000"/>
   <p:notesSz cx="6858000" cy="9144000"/>
@@ -198,7 +199,7 @@
           <a:p>
             <a:fld id="{3766C44B-53EF-BE44-990E-3F0AD29AC0A6}" type="datetimeFigureOut">
               <a:rPr lang="en-US" smtClean="0"/>
-              <a:t>7/14/22</a:t>
+              <a:t>7/18/22</a:t>
             </a:fld>
             <a:endParaRPr lang="en-US"/>
           </a:p>
@@ -738,7 +739,7 @@
           <a:p>
             <a:fld id="{70A90409-4E31-4C43-B1DA-4A8FC1207839}" type="slidenum">
               <a:rPr lang="en-US" smtClean="0"/>
-              <a:t>2</a:t>
+              <a:t>3</a:t>
             </a:fld>
             <a:endParaRPr lang="en-US"/>
           </a:p>
@@ -904,7 +905,7 @@
           <a:p>
             <a:fld id="{942E4721-803B-334F-9505-91777EDC8CAF}" type="datetimeFigureOut">
               <a:rPr lang="en-US" smtClean="0"/>
-              <a:t>7/14/22</a:t>
+              <a:t>7/18/22</a:t>
             </a:fld>
             <a:endParaRPr lang="en-US"/>
           </a:p>
@@ -1102,7 +1103,7 @@
           <a:p>
             <a:fld id="{942E4721-803B-334F-9505-91777EDC8CAF}" type="datetimeFigureOut">
               <a:rPr lang="en-US" smtClean="0"/>
-              <a:t>7/14/22</a:t>
+              <a:t>7/18/22</a:t>
             </a:fld>
             <a:endParaRPr lang="en-US"/>
           </a:p>
@@ -1310,7 +1311,7 @@
           <a:p>
             <a:fld id="{942E4721-803B-334F-9505-91777EDC8CAF}" type="datetimeFigureOut">
               <a:rPr lang="en-US" smtClean="0"/>
-              <a:t>7/14/22</a:t>
+              <a:t>7/18/22</a:t>
             </a:fld>
             <a:endParaRPr lang="en-US"/>
           </a:p>
@@ -1508,7 +1509,7 @@
           <a:p>
             <a:fld id="{942E4721-803B-334F-9505-91777EDC8CAF}" type="datetimeFigureOut">
               <a:rPr lang="en-US" smtClean="0"/>
-              <a:t>7/14/22</a:t>
+              <a:t>7/18/22</a:t>
             </a:fld>
             <a:endParaRPr lang="en-US"/>
           </a:p>
@@ -1783,7 +1784,7 @@
           <a:p>
             <a:fld id="{942E4721-803B-334F-9505-91777EDC8CAF}" type="datetimeFigureOut">
               <a:rPr lang="en-US" smtClean="0"/>
-              <a:t>7/14/22</a:t>
+              <a:t>7/18/22</a:t>
             </a:fld>
             <a:endParaRPr lang="en-US"/>
           </a:p>
@@ -2048,7 +2049,7 @@
           <a:p>
             <a:fld id="{942E4721-803B-334F-9505-91777EDC8CAF}" type="datetimeFigureOut">
               <a:rPr lang="en-US" smtClean="0"/>
-              <a:t>7/14/22</a:t>
+              <a:t>7/18/22</a:t>
             </a:fld>
             <a:endParaRPr lang="en-US"/>
           </a:p>
@@ -2460,7 +2461,7 @@
           <a:p>
             <a:fld id="{942E4721-803B-334F-9505-91777EDC8CAF}" type="datetimeFigureOut">
               <a:rPr lang="en-US" smtClean="0"/>
-              <a:t>7/14/22</a:t>
+              <a:t>7/18/22</a:t>
             </a:fld>
             <a:endParaRPr lang="en-US"/>
           </a:p>
@@ -2601,7 +2602,7 @@
           <a:p>
             <a:fld id="{942E4721-803B-334F-9505-91777EDC8CAF}" type="datetimeFigureOut">
               <a:rPr lang="en-US" smtClean="0"/>
-              <a:t>7/14/22</a:t>
+              <a:t>7/18/22</a:t>
             </a:fld>
             <a:endParaRPr lang="en-US"/>
           </a:p>
@@ -2714,7 +2715,7 @@
           <a:p>
             <a:fld id="{942E4721-803B-334F-9505-91777EDC8CAF}" type="datetimeFigureOut">
               <a:rPr lang="en-US" smtClean="0"/>
-              <a:t>7/14/22</a:t>
+              <a:t>7/18/22</a:t>
             </a:fld>
             <a:endParaRPr lang="en-US"/>
           </a:p>
@@ -3025,7 +3026,7 @@
           <a:p>
             <a:fld id="{942E4721-803B-334F-9505-91777EDC8CAF}" type="datetimeFigureOut">
               <a:rPr lang="en-US" smtClean="0"/>
-              <a:t>7/14/22</a:t>
+              <a:t>7/18/22</a:t>
             </a:fld>
             <a:endParaRPr lang="en-US"/>
           </a:p>
@@ -3313,7 +3314,7 @@
           <a:p>
             <a:fld id="{942E4721-803B-334F-9505-91777EDC8CAF}" type="datetimeFigureOut">
               <a:rPr lang="en-US" smtClean="0"/>
-              <a:t>7/14/22</a:t>
+              <a:t>7/18/22</a:t>
             </a:fld>
             <a:endParaRPr lang="en-US"/>
           </a:p>
@@ -3554,7 +3555,7 @@
           <a:p>
             <a:fld id="{942E4721-803B-334F-9505-91777EDC8CAF}" type="datetimeFigureOut">
               <a:rPr lang="en-US" smtClean="0"/>
-              <a:t>7/14/22</a:t>
+              <a:t>7/18/22</a:t>
             </a:fld>
             <a:endParaRPr lang="en-US"/>
           </a:p>
@@ -5969,6 +5970,366 @@
 </file>
 
 <file path=ppt/slides/slide2.xml><?xml version="1.0" encoding="utf-8"?>
+<p:sld xmlns:a="http://schemas.openxmlformats.org/drawingml/2006/main" xmlns:r="http://schemas.openxmlformats.org/officeDocument/2006/relationships" xmlns:p="http://schemas.openxmlformats.org/presentationml/2006/main">
+  <p:cSld>
+    <p:spTree>
+      <p:nvGrpSpPr>
+        <p:cNvPr id="1" name=""/>
+        <p:cNvGrpSpPr/>
+        <p:nvPr/>
+      </p:nvGrpSpPr>
+      <p:grpSpPr>
+        <a:xfrm>
+          <a:off x="0" y="0"/>
+          <a:ext cx="0" cy="0"/>
+          <a:chOff x="0" y="0"/>
+          <a:chExt cx="0" cy="0"/>
+        </a:xfrm>
+      </p:grpSpPr>
+      <p:pic>
+        <p:nvPicPr>
+          <p:cNvPr id="4" name="Picture 3">
+            <a:extLst>
+              <a:ext uri="{FF2B5EF4-FFF2-40B4-BE49-F238E27FC236}">
+                <a16:creationId xmlns:a16="http://schemas.microsoft.com/office/drawing/2014/main" id="{3E5241EB-5B9D-0184-BCE6-832FF4E06932}"/>
+              </a:ext>
+            </a:extLst>
+          </p:cNvPr>
+          <p:cNvPicPr>
+            <a:picLocks noChangeAspect="1"/>
+          </p:cNvPicPr>
+          <p:nvPr/>
+        </p:nvPicPr>
+        <p:blipFill>
+          <a:blip r:embed="rId2"/>
+          <a:stretch>
+            <a:fillRect/>
+          </a:stretch>
+        </p:blipFill>
+        <p:spPr>
+          <a:xfrm>
+            <a:off x="3314123" y="831272"/>
+            <a:ext cx="4084205" cy="1569730"/>
+          </a:xfrm>
+          <a:prstGeom prst="rect">
+            <a:avLst/>
+          </a:prstGeom>
+        </p:spPr>
+      </p:pic>
+      <p:pic>
+        <p:nvPicPr>
+          <p:cNvPr id="6" name="Picture 5">
+            <a:extLst>
+              <a:ext uri="{FF2B5EF4-FFF2-40B4-BE49-F238E27FC236}">
+                <a16:creationId xmlns:a16="http://schemas.microsoft.com/office/drawing/2014/main" id="{FFEBD239-7B7E-77C3-6F60-4DEDA8600F60}"/>
+              </a:ext>
+            </a:extLst>
+          </p:cNvPr>
+          <p:cNvPicPr>
+            <a:picLocks noChangeAspect="1"/>
+          </p:cNvPicPr>
+          <p:nvPr/>
+        </p:nvPicPr>
+        <p:blipFill>
+          <a:blip r:embed="rId3"/>
+          <a:stretch>
+            <a:fillRect/>
+          </a:stretch>
+        </p:blipFill>
+        <p:spPr>
+          <a:xfrm>
+            <a:off x="3360959" y="2619569"/>
+            <a:ext cx="2126673" cy="2168869"/>
+          </a:xfrm>
+          <a:prstGeom prst="rect">
+            <a:avLst/>
+          </a:prstGeom>
+        </p:spPr>
+      </p:pic>
+      <p:sp>
+        <p:nvSpPr>
+          <p:cNvPr id="9" name="TextBox 8">
+            <a:extLst>
+              <a:ext uri="{FF2B5EF4-FFF2-40B4-BE49-F238E27FC236}">
+                <a16:creationId xmlns:a16="http://schemas.microsoft.com/office/drawing/2014/main" id="{35D956C7-CD81-1EA6-CC28-A9EFAD329268}"/>
+              </a:ext>
+            </a:extLst>
+          </p:cNvPr>
+          <p:cNvSpPr txBox="1"/>
+          <p:nvPr/>
+        </p:nvSpPr>
+        <p:spPr>
+          <a:xfrm>
+            <a:off x="3373120" y="5127413"/>
+            <a:ext cx="1586396" cy="369332"/>
+          </a:xfrm>
+          <a:prstGeom prst="rect">
+            <a:avLst/>
+          </a:prstGeom>
+          <a:noFill/>
+        </p:spPr>
+        <p:txBody>
+          <a:bodyPr wrap="none" rtlCol="0">
+            <a:spAutoFit/>
+          </a:bodyPr>
+          <a:lstStyle/>
+          <a:p>
+            <a:r>
+              <a:rPr lang="en-US" dirty="0"/>
+              <a:t>Total Alerts: 95</a:t>
+            </a:r>
+          </a:p>
+        </p:txBody>
+      </p:sp>
+      <p:graphicFrame>
+        <p:nvGraphicFramePr>
+          <p:cNvPr id="14" name="Table 14">
+            <a:extLst>
+              <a:ext uri="{FF2B5EF4-FFF2-40B4-BE49-F238E27FC236}">
+                <a16:creationId xmlns:a16="http://schemas.microsoft.com/office/drawing/2014/main" id="{63BA4F00-17EA-EE3B-9A80-D51B8F435EEC}"/>
+              </a:ext>
+            </a:extLst>
+          </p:cNvPr>
+          <p:cNvGraphicFramePr>
+            <a:graphicFrameLocks noGrp="1"/>
+          </p:cNvGraphicFramePr>
+          <p:nvPr>
+            <p:extLst>
+              <p:ext uri="{D42A27DB-BD31-4B8C-83A1-F6EECF244321}">
+                <p14:modId xmlns:p14="http://schemas.microsoft.com/office/powerpoint/2010/main" val="1714634457"/>
+              </p:ext>
+            </p:extLst>
+          </p:nvPr>
+        </p:nvGraphicFramePr>
+        <p:xfrm>
+          <a:off x="3352800" y="5564293"/>
+          <a:ext cx="4443306" cy="1036320"/>
+        </p:xfrm>
+        <a:graphic>
+          <a:graphicData uri="http://schemas.openxmlformats.org/drawingml/2006/table">
+            <a:tbl>
+              <a:tblPr firstRow="1" bandRow="1">
+                <a:tableStyleId>{7DF18680-E054-41AD-8BC1-D1AEF772440D}</a:tableStyleId>
+              </a:tblPr>
+              <a:tblGrid>
+                <a:gridCol w="1481102">
+                  <a:extLst>
+                    <a:ext uri="{9D8B030D-6E8A-4147-A177-3AD203B41FA5}">
+                      <a16:colId xmlns:a16="http://schemas.microsoft.com/office/drawing/2014/main" val="1824476777"/>
+                    </a:ext>
+                  </a:extLst>
+                </a:gridCol>
+                <a:gridCol w="1481102">
+                  <a:extLst>
+                    <a:ext uri="{9D8B030D-6E8A-4147-A177-3AD203B41FA5}">
+                      <a16:colId xmlns:a16="http://schemas.microsoft.com/office/drawing/2014/main" val="944925311"/>
+                    </a:ext>
+                  </a:extLst>
+                </a:gridCol>
+                <a:gridCol w="1481102">
+                  <a:extLst>
+                    <a:ext uri="{9D8B030D-6E8A-4147-A177-3AD203B41FA5}">
+                      <a16:colId xmlns:a16="http://schemas.microsoft.com/office/drawing/2014/main" val="2317435871"/>
+                    </a:ext>
+                  </a:extLst>
+                </a:gridCol>
+              </a:tblGrid>
+              <a:tr h="206586">
+                <a:tc>
+                  <a:txBody>
+                    <a:bodyPr/>
+                    <a:lstStyle/>
+                    <a:p>
+                      <a:r>
+                        <a:rPr lang="en-US" sz="1100" dirty="0"/>
+                        <a:t>Sensor</a:t>
+                      </a:r>
+                    </a:p>
+                  </a:txBody>
+                  <a:tcPr/>
+                </a:tc>
+                <a:tc>
+                  <a:txBody>
+                    <a:bodyPr/>
+                    <a:lstStyle/>
+                    <a:p>
+                      <a:r>
+                        <a:rPr lang="en-US" sz="1100" dirty="0"/>
+                        <a:t>Location</a:t>
+                      </a:r>
+                    </a:p>
+                  </a:txBody>
+                  <a:tcPr/>
+                </a:tc>
+                <a:tc>
+                  <a:txBody>
+                    <a:bodyPr/>
+                    <a:lstStyle/>
+                    <a:p>
+                      <a:r>
+                        <a:rPr lang="en-US" sz="1100" dirty="0"/>
+                        <a:t>Alerts</a:t>
+                      </a:r>
+                    </a:p>
+                  </a:txBody>
+                  <a:tcPr/>
+                </a:tc>
+                <a:extLst>
+                  <a:ext uri="{0D108BD9-81ED-4DB2-BD59-A6C34878D82A}">
+                    <a16:rowId xmlns:a16="http://schemas.microsoft.com/office/drawing/2014/main" val="78726044"/>
+                  </a:ext>
+                </a:extLst>
+              </a:tr>
+              <a:tr h="206586">
+                <a:tc>
+                  <a:txBody>
+                    <a:bodyPr/>
+                    <a:lstStyle/>
+                    <a:p>
+                      <a:r>
+                        <a:rPr lang="en-US" sz="1100" dirty="0"/>
+                        <a:t>Water</a:t>
+                      </a:r>
+                    </a:p>
+                  </a:txBody>
+                  <a:tcPr/>
+                </a:tc>
+                <a:tc>
+                  <a:txBody>
+                    <a:bodyPr/>
+                    <a:lstStyle/>
+                    <a:p>
+                      <a:r>
+                        <a:rPr lang="en-US" sz="1100" dirty="0"/>
+                        <a:t>NY</a:t>
+                      </a:r>
+                    </a:p>
+                  </a:txBody>
+                  <a:tcPr/>
+                </a:tc>
+                <a:tc>
+                  <a:txBody>
+                    <a:bodyPr/>
+                    <a:lstStyle/>
+                    <a:p>
+                      <a:r>
+                        <a:rPr lang="en-US" sz="1100" dirty="0"/>
+                        <a:t>102</a:t>
+                      </a:r>
+                    </a:p>
+                  </a:txBody>
+                  <a:tcPr/>
+                </a:tc>
+                <a:extLst>
+                  <a:ext uri="{0D108BD9-81ED-4DB2-BD59-A6C34878D82A}">
+                    <a16:rowId xmlns:a16="http://schemas.microsoft.com/office/drawing/2014/main" val="3272676699"/>
+                  </a:ext>
+                </a:extLst>
+              </a:tr>
+              <a:tr h="206586">
+                <a:tc>
+                  <a:txBody>
+                    <a:bodyPr/>
+                    <a:lstStyle/>
+                    <a:p>
+                      <a:r>
+                        <a:rPr lang="en-US" sz="1100" dirty="0"/>
+                        <a:t>Temperature</a:t>
+                      </a:r>
+                    </a:p>
+                  </a:txBody>
+                  <a:tcPr/>
+                </a:tc>
+                <a:tc>
+                  <a:txBody>
+                    <a:bodyPr/>
+                    <a:lstStyle/>
+                    <a:p>
+                      <a:r>
+                        <a:rPr lang="en-US" sz="1100" dirty="0"/>
+                        <a:t>LA</a:t>
+                      </a:r>
+                    </a:p>
+                  </a:txBody>
+                  <a:tcPr/>
+                </a:tc>
+                <a:tc>
+                  <a:txBody>
+                    <a:bodyPr/>
+                    <a:lstStyle/>
+                    <a:p>
+                      <a:endParaRPr lang="en-US" sz="1100" dirty="0"/>
+                    </a:p>
+                  </a:txBody>
+                  <a:tcPr/>
+                </a:tc>
+                <a:extLst>
+                  <a:ext uri="{0D108BD9-81ED-4DB2-BD59-A6C34878D82A}">
+                    <a16:rowId xmlns:a16="http://schemas.microsoft.com/office/drawing/2014/main" val="1297571571"/>
+                  </a:ext>
+                </a:extLst>
+              </a:tr>
+              <a:tr h="206586">
+                <a:tc>
+                  <a:txBody>
+                    <a:bodyPr/>
+                    <a:lstStyle/>
+                    <a:p>
+                      <a:r>
+                        <a:rPr lang="en-US" sz="1100" dirty="0"/>
+                        <a:t>Water</a:t>
+                      </a:r>
+                    </a:p>
+                  </a:txBody>
+                  <a:tcPr/>
+                </a:tc>
+                <a:tc>
+                  <a:txBody>
+                    <a:bodyPr/>
+                    <a:lstStyle/>
+                    <a:p>
+                      <a:r>
+                        <a:rPr lang="en-US" sz="1100" dirty="0"/>
+                        <a:t>WY</a:t>
+                      </a:r>
+                    </a:p>
+                  </a:txBody>
+                  <a:tcPr/>
+                </a:tc>
+                <a:tc>
+                  <a:txBody>
+                    <a:bodyPr/>
+                    <a:lstStyle/>
+                    <a:p>
+                      <a:endParaRPr lang="en-US" sz="1100" dirty="0"/>
+                    </a:p>
+                  </a:txBody>
+                  <a:tcPr/>
+                </a:tc>
+                <a:extLst>
+                  <a:ext uri="{0D108BD9-81ED-4DB2-BD59-A6C34878D82A}">
+                    <a16:rowId xmlns:a16="http://schemas.microsoft.com/office/drawing/2014/main" val="3928784199"/>
+                  </a:ext>
+                </a:extLst>
+              </a:tr>
+            </a:tbl>
+          </a:graphicData>
+        </a:graphic>
+      </p:graphicFrame>
+    </p:spTree>
+    <p:extLst>
+      <p:ext uri="{BB962C8B-B14F-4D97-AF65-F5344CB8AC3E}">
+        <p14:creationId xmlns:p14="http://schemas.microsoft.com/office/powerpoint/2010/main" val="965392204"/>
+      </p:ext>
+    </p:extLst>
+  </p:cSld>
+  <p:clrMapOvr>
+    <a:masterClrMapping/>
+  </p:clrMapOvr>
+</p:sld>
+</file>
+
+<file path=ppt/slides/slide3.xml><?xml version="1.0" encoding="utf-8"?>
 <p:sld xmlns:a="http://schemas.openxmlformats.org/drawingml/2006/main" xmlns:r="http://schemas.openxmlformats.org/officeDocument/2006/relationships" xmlns:p="http://schemas.openxmlformats.org/presentationml/2006/main">
   <p:cSld>
     <p:spTree>

--- a/docs/concepts/dashboard-wireframe.pptx
+++ b/docs/concepts/dashboard-wireframe.pptx
@@ -199,7 +199,7 @@
           <a:p>
             <a:fld id="{3766C44B-53EF-BE44-990E-3F0AD29AC0A6}" type="datetimeFigureOut">
               <a:rPr lang="en-US" smtClean="0"/>
-              <a:t>7/18/22</a:t>
+              <a:t>7/22/22</a:t>
             </a:fld>
             <a:endParaRPr lang="en-US"/>
           </a:p>
@@ -905,7 +905,7 @@
           <a:p>
             <a:fld id="{942E4721-803B-334F-9505-91777EDC8CAF}" type="datetimeFigureOut">
               <a:rPr lang="en-US" smtClean="0"/>
-              <a:t>7/18/22</a:t>
+              <a:t>7/22/22</a:t>
             </a:fld>
             <a:endParaRPr lang="en-US"/>
           </a:p>
@@ -1103,7 +1103,7 @@
           <a:p>
             <a:fld id="{942E4721-803B-334F-9505-91777EDC8CAF}" type="datetimeFigureOut">
               <a:rPr lang="en-US" smtClean="0"/>
-              <a:t>7/18/22</a:t>
+              <a:t>7/22/22</a:t>
             </a:fld>
             <a:endParaRPr lang="en-US"/>
           </a:p>
@@ -1311,7 +1311,7 @@
           <a:p>
             <a:fld id="{942E4721-803B-334F-9505-91777EDC8CAF}" type="datetimeFigureOut">
               <a:rPr lang="en-US" smtClean="0"/>
-              <a:t>7/18/22</a:t>
+              <a:t>7/22/22</a:t>
             </a:fld>
             <a:endParaRPr lang="en-US"/>
           </a:p>
@@ -1509,7 +1509,7 @@
           <a:p>
             <a:fld id="{942E4721-803B-334F-9505-91777EDC8CAF}" type="datetimeFigureOut">
               <a:rPr lang="en-US" smtClean="0"/>
-              <a:t>7/18/22</a:t>
+              <a:t>7/22/22</a:t>
             </a:fld>
             <a:endParaRPr lang="en-US"/>
           </a:p>
@@ -1784,7 +1784,7 @@
           <a:p>
             <a:fld id="{942E4721-803B-334F-9505-91777EDC8CAF}" type="datetimeFigureOut">
               <a:rPr lang="en-US" smtClean="0"/>
-              <a:t>7/18/22</a:t>
+              <a:t>7/22/22</a:t>
             </a:fld>
             <a:endParaRPr lang="en-US"/>
           </a:p>
@@ -2049,7 +2049,7 @@
           <a:p>
             <a:fld id="{942E4721-803B-334F-9505-91777EDC8CAF}" type="datetimeFigureOut">
               <a:rPr lang="en-US" smtClean="0"/>
-              <a:t>7/18/22</a:t>
+              <a:t>7/22/22</a:t>
             </a:fld>
             <a:endParaRPr lang="en-US"/>
           </a:p>
@@ -2461,7 +2461,7 @@
           <a:p>
             <a:fld id="{942E4721-803B-334F-9505-91777EDC8CAF}" type="datetimeFigureOut">
               <a:rPr lang="en-US" smtClean="0"/>
-              <a:t>7/18/22</a:t>
+              <a:t>7/22/22</a:t>
             </a:fld>
             <a:endParaRPr lang="en-US"/>
           </a:p>
@@ -2602,7 +2602,7 @@
           <a:p>
             <a:fld id="{942E4721-803B-334F-9505-91777EDC8CAF}" type="datetimeFigureOut">
               <a:rPr lang="en-US" smtClean="0"/>
-              <a:t>7/18/22</a:t>
+              <a:t>7/22/22</a:t>
             </a:fld>
             <a:endParaRPr lang="en-US"/>
           </a:p>
@@ -2715,7 +2715,7 @@
           <a:p>
             <a:fld id="{942E4721-803B-334F-9505-91777EDC8CAF}" type="datetimeFigureOut">
               <a:rPr lang="en-US" smtClean="0"/>
-              <a:t>7/18/22</a:t>
+              <a:t>7/22/22</a:t>
             </a:fld>
             <a:endParaRPr lang="en-US"/>
           </a:p>
@@ -3026,7 +3026,7 @@
           <a:p>
             <a:fld id="{942E4721-803B-334F-9505-91777EDC8CAF}" type="datetimeFigureOut">
               <a:rPr lang="en-US" smtClean="0"/>
-              <a:t>7/18/22</a:t>
+              <a:t>7/22/22</a:t>
             </a:fld>
             <a:endParaRPr lang="en-US"/>
           </a:p>
@@ -3314,7 +3314,7 @@
           <a:p>
             <a:fld id="{942E4721-803B-334F-9505-91777EDC8CAF}" type="datetimeFigureOut">
               <a:rPr lang="en-US" smtClean="0"/>
-              <a:t>7/18/22</a:t>
+              <a:t>7/22/22</a:t>
             </a:fld>
             <a:endParaRPr lang="en-US"/>
           </a:p>
@@ -3555,7 +3555,7 @@
           <a:p>
             <a:fld id="{942E4721-803B-334F-9505-91777EDC8CAF}" type="datetimeFigureOut">
               <a:rPr lang="en-US" smtClean="0"/>
-              <a:t>7/18/22</a:t>
+              <a:t>7/22/22</a:t>
             </a:fld>
             <a:endParaRPr lang="en-US"/>
           </a:p>
@@ -6498,7 +6498,7 @@
         <p:spPr>
           <a:xfrm>
             <a:off x="2541617" y="3398713"/>
-            <a:ext cx="1772793" cy="369332"/>
+            <a:ext cx="1862561" cy="369332"/>
           </a:xfrm>
           <a:prstGeom prst="rect">
             <a:avLst/>
@@ -6511,12 +6511,8 @@
           <a:lstStyle/>
           <a:p>
             <a:r>
-              <a:rPr lang="en-US" dirty="0" err="1"/>
-              <a:t>Seimic</a:t>
-            </a:r>
-            <a:r>
               <a:rPr lang="en-US" dirty="0"/>
-              <a:t> vibrations</a:t>
+              <a:t>Seismic vibrations</a:t>
             </a:r>
           </a:p>
         </p:txBody>

--- a/docs/concepts/dashboard-wireframe.pptx
+++ b/docs/concepts/dashboard-wireframe.pptx
@@ -5,12 +5,13 @@
     <p:sldMasterId id="2147483648" r:id="rId1"/>
   </p:sldMasterIdLst>
   <p:notesMasterIdLst>
-    <p:notesMasterId r:id="rId5"/>
+    <p:notesMasterId r:id="rId6"/>
   </p:notesMasterIdLst>
   <p:sldIdLst>
     <p:sldId id="256" r:id="rId2"/>
-    <p:sldId id="258" r:id="rId3"/>
-    <p:sldId id="257" r:id="rId4"/>
+    <p:sldId id="259" r:id="rId3"/>
+    <p:sldId id="258" r:id="rId4"/>
+    <p:sldId id="257" r:id="rId5"/>
   </p:sldIdLst>
   <p:sldSz cx="12192000" cy="6858000"/>
   <p:notesSz cx="6858000" cy="9144000"/>
@@ -199,7 +200,7 @@
           <a:p>
             <a:fld id="{3766C44B-53EF-BE44-990E-3F0AD29AC0A6}" type="datetimeFigureOut">
               <a:rPr lang="en-US" smtClean="0"/>
-              <a:t>7/22/22</a:t>
+              <a:t>8/27/22</a:t>
             </a:fld>
             <a:endParaRPr lang="en-US"/>
           </a:p>
@@ -739,7 +740,153 @@
           <a:p>
             <a:fld id="{70A90409-4E31-4C43-B1DA-4A8FC1207839}" type="slidenum">
               <a:rPr lang="en-US" smtClean="0"/>
-              <a:t>3</a:t>
+              <a:t>2</a:t>
+            </a:fld>
+            <a:endParaRPr lang="en-US"/>
+          </a:p>
+        </p:txBody>
+      </p:sp>
+    </p:spTree>
+    <p:extLst>
+      <p:ext uri="{BB962C8B-B14F-4D97-AF65-F5344CB8AC3E}">
+        <p14:creationId xmlns:p14="http://schemas.microsoft.com/office/powerpoint/2010/main" val="3761302648"/>
+      </p:ext>
+    </p:extLst>
+  </p:cSld>
+  <p:clrMapOvr>
+    <a:masterClrMapping/>
+  </p:clrMapOvr>
+</p:notes>
+</file>
+
+<file path=ppt/notesSlides/notesSlide3.xml><?xml version="1.0" encoding="utf-8"?>
+<p:notes xmlns:a="http://schemas.openxmlformats.org/drawingml/2006/main" xmlns:r="http://schemas.openxmlformats.org/officeDocument/2006/relationships" xmlns:p="http://schemas.openxmlformats.org/presentationml/2006/main">
+  <p:cSld>
+    <p:spTree>
+      <p:nvGrpSpPr>
+        <p:cNvPr id="1" name=""/>
+        <p:cNvGrpSpPr/>
+        <p:nvPr/>
+      </p:nvGrpSpPr>
+      <p:grpSpPr>
+        <a:xfrm>
+          <a:off x="0" y="0"/>
+          <a:ext cx="0" cy="0"/>
+          <a:chOff x="0" y="0"/>
+          <a:chExt cx="0" cy="0"/>
+        </a:xfrm>
+      </p:grpSpPr>
+      <p:sp>
+        <p:nvSpPr>
+          <p:cNvPr id="2" name="Slide Image Placeholder 1"/>
+          <p:cNvSpPr>
+            <a:spLocks noGrp="1" noRot="1" noChangeAspect="1"/>
+          </p:cNvSpPr>
+          <p:nvPr>
+            <p:ph type="sldImg"/>
+          </p:nvPr>
+        </p:nvSpPr>
+        <p:spPr/>
+      </p:sp>
+      <p:sp>
+        <p:nvSpPr>
+          <p:cNvPr id="3" name="Notes Placeholder 2"/>
+          <p:cNvSpPr>
+            <a:spLocks noGrp="1"/>
+          </p:cNvSpPr>
+          <p:nvPr>
+            <p:ph type="body" idx="1"/>
+          </p:nvPr>
+        </p:nvSpPr>
+        <p:spPr/>
+        <p:txBody>
+          <a:bodyPr/>
+          <a:lstStyle/>
+          <a:p>
+            <a:r>
+              <a:rPr lang="en-US" dirty="0"/>
+              <a:t>https://</a:t>
+            </a:r>
+            <a:r>
+              <a:rPr lang="en-US" dirty="0" err="1"/>
+              <a:t>www.fema.gov</a:t>
+            </a:r>
+            <a:r>
+              <a:rPr lang="en-US" dirty="0"/>
+              <a:t>/pdf/library/</a:t>
+            </a:r>
+            <a:r>
+              <a:rPr lang="en-US" dirty="0" err="1"/>
+              <a:t>remotes.pdf</a:t>
+            </a:r>
+            <a:endParaRPr lang="en-US" dirty="0"/>
+          </a:p>
+          <a:p>
+            <a:endParaRPr lang="en-US" dirty="0"/>
+          </a:p>
+          <a:p>
+            <a:r>
+              <a:rPr lang="en-US" dirty="0"/>
+              <a:t>https://</a:t>
+            </a:r>
+            <a:r>
+              <a:rPr lang="en-US" dirty="0" err="1"/>
+              <a:t>www.sbir.gov</a:t>
+            </a:r>
+            <a:r>
+              <a:rPr lang="en-US" dirty="0"/>
+              <a:t>/Sensor-technology-for-the-21st-century</a:t>
+            </a:r>
+          </a:p>
+          <a:p>
+            <a:endParaRPr lang="en-US" dirty="0"/>
+          </a:p>
+          <a:p>
+            <a:r>
+              <a:rPr lang="en-US" dirty="0" err="1"/>
+              <a:t>Semics</a:t>
+            </a:r>
+            <a:r>
+              <a:rPr lang="en-US" dirty="0"/>
+              <a:t> vibrations https://</a:t>
+            </a:r>
+            <a:r>
+              <a:rPr lang="en-US" dirty="0" err="1"/>
+              <a:t>www.imv.co.jp</a:t>
+            </a:r>
+            <a:r>
+              <a:rPr lang="en-US" dirty="0"/>
+              <a:t>/e/pr/</a:t>
+            </a:r>
+            <a:r>
+              <a:rPr lang="en-US" dirty="0" err="1"/>
+              <a:t>seismic_monitoring</a:t>
+            </a:r>
+            <a:r>
+              <a:rPr lang="en-US" dirty="0"/>
+              <a:t>/knowledge/</a:t>
+            </a:r>
+          </a:p>
+        </p:txBody>
+      </p:sp>
+      <p:sp>
+        <p:nvSpPr>
+          <p:cNvPr id="4" name="Slide Number Placeholder 3"/>
+          <p:cNvSpPr>
+            <a:spLocks noGrp="1"/>
+          </p:cNvSpPr>
+          <p:nvPr>
+            <p:ph type="sldNum" sz="quarter" idx="5"/>
+          </p:nvPr>
+        </p:nvSpPr>
+        <p:spPr/>
+        <p:txBody>
+          <a:bodyPr/>
+          <a:lstStyle/>
+          <a:p>
+            <a:fld id="{70A90409-4E31-4C43-B1DA-4A8FC1207839}" type="slidenum">
+              <a:rPr lang="en-US" smtClean="0"/>
+              <a:t>4</a:t>
             </a:fld>
             <a:endParaRPr lang="en-US"/>
           </a:p>
@@ -905,7 +1052,7 @@
           <a:p>
             <a:fld id="{942E4721-803B-334F-9505-91777EDC8CAF}" type="datetimeFigureOut">
               <a:rPr lang="en-US" smtClean="0"/>
-              <a:t>7/22/22</a:t>
+              <a:t>8/27/22</a:t>
             </a:fld>
             <a:endParaRPr lang="en-US"/>
           </a:p>
@@ -1103,7 +1250,7 @@
           <a:p>
             <a:fld id="{942E4721-803B-334F-9505-91777EDC8CAF}" type="datetimeFigureOut">
               <a:rPr lang="en-US" smtClean="0"/>
-              <a:t>7/22/22</a:t>
+              <a:t>8/27/22</a:t>
             </a:fld>
             <a:endParaRPr lang="en-US"/>
           </a:p>
@@ -1311,7 +1458,7 @@
           <a:p>
             <a:fld id="{942E4721-803B-334F-9505-91777EDC8CAF}" type="datetimeFigureOut">
               <a:rPr lang="en-US" smtClean="0"/>
-              <a:t>7/22/22</a:t>
+              <a:t>8/27/22</a:t>
             </a:fld>
             <a:endParaRPr lang="en-US"/>
           </a:p>
@@ -1509,7 +1656,7 @@
           <a:p>
             <a:fld id="{942E4721-803B-334F-9505-91777EDC8CAF}" type="datetimeFigureOut">
               <a:rPr lang="en-US" smtClean="0"/>
-              <a:t>7/22/22</a:t>
+              <a:t>8/27/22</a:t>
             </a:fld>
             <a:endParaRPr lang="en-US"/>
           </a:p>
@@ -1784,7 +1931,7 @@
           <a:p>
             <a:fld id="{942E4721-803B-334F-9505-91777EDC8CAF}" type="datetimeFigureOut">
               <a:rPr lang="en-US" smtClean="0"/>
-              <a:t>7/22/22</a:t>
+              <a:t>8/27/22</a:t>
             </a:fld>
             <a:endParaRPr lang="en-US"/>
           </a:p>
@@ -2049,7 +2196,7 @@
           <a:p>
             <a:fld id="{942E4721-803B-334F-9505-91777EDC8CAF}" type="datetimeFigureOut">
               <a:rPr lang="en-US" smtClean="0"/>
-              <a:t>7/22/22</a:t>
+              <a:t>8/27/22</a:t>
             </a:fld>
             <a:endParaRPr lang="en-US"/>
           </a:p>
@@ -2461,7 +2608,7 @@
           <a:p>
             <a:fld id="{942E4721-803B-334F-9505-91777EDC8CAF}" type="datetimeFigureOut">
               <a:rPr lang="en-US" smtClean="0"/>
-              <a:t>7/22/22</a:t>
+              <a:t>8/27/22</a:t>
             </a:fld>
             <a:endParaRPr lang="en-US"/>
           </a:p>
@@ -2602,7 +2749,7 @@
           <a:p>
             <a:fld id="{942E4721-803B-334F-9505-91777EDC8CAF}" type="datetimeFigureOut">
               <a:rPr lang="en-US" smtClean="0"/>
-              <a:t>7/22/22</a:t>
+              <a:t>8/27/22</a:t>
             </a:fld>
             <a:endParaRPr lang="en-US"/>
           </a:p>
@@ -2715,7 +2862,7 @@
           <a:p>
             <a:fld id="{942E4721-803B-334F-9505-91777EDC8CAF}" type="datetimeFigureOut">
               <a:rPr lang="en-US" smtClean="0"/>
-              <a:t>7/22/22</a:t>
+              <a:t>8/27/22</a:t>
             </a:fld>
             <a:endParaRPr lang="en-US"/>
           </a:p>
@@ -3026,7 +3173,7 @@
           <a:p>
             <a:fld id="{942E4721-803B-334F-9505-91777EDC8CAF}" type="datetimeFigureOut">
               <a:rPr lang="en-US" smtClean="0"/>
-              <a:t>7/22/22</a:t>
+              <a:t>8/27/22</a:t>
             </a:fld>
             <a:endParaRPr lang="en-US"/>
           </a:p>
@@ -3314,7 +3461,7 @@
           <a:p>
             <a:fld id="{942E4721-803B-334F-9505-91777EDC8CAF}" type="datetimeFigureOut">
               <a:rPr lang="en-US" smtClean="0"/>
-              <a:t>7/22/22</a:t>
+              <a:t>8/27/22</a:t>
             </a:fld>
             <a:endParaRPr lang="en-US"/>
           </a:p>
@@ -3555,7 +3702,7 @@
           <a:p>
             <a:fld id="{942E4721-803B-334F-9505-91777EDC8CAF}" type="datetimeFigureOut">
               <a:rPr lang="en-US" smtClean="0"/>
-              <a:t>7/22/22</a:t>
+              <a:t>8/27/22</a:t>
             </a:fld>
             <a:endParaRPr lang="en-US"/>
           </a:p>
@@ -5986,6 +6133,1990 @@
           <a:chExt cx="0" cy="0"/>
         </a:xfrm>
       </p:grpSpPr>
+      <p:sp>
+        <p:nvSpPr>
+          <p:cNvPr id="67" name="Rectangle 66">
+            <a:extLst>
+              <a:ext uri="{FF2B5EF4-FFF2-40B4-BE49-F238E27FC236}">
+                <a16:creationId xmlns:a16="http://schemas.microsoft.com/office/drawing/2014/main" id="{3E060BAC-EEA7-302C-07D1-5E6E25A7996C}"/>
+              </a:ext>
+            </a:extLst>
+          </p:cNvPr>
+          <p:cNvSpPr/>
+          <p:nvPr/>
+        </p:nvSpPr>
+        <p:spPr>
+          <a:xfrm>
+            <a:off x="6051665" y="5408418"/>
+            <a:ext cx="4694309" cy="510363"/>
+          </a:xfrm>
+          <a:prstGeom prst="rect">
+            <a:avLst/>
+          </a:prstGeom>
+          <a:solidFill>
+            <a:schemeClr val="bg2">
+              <a:lumMod val="90000"/>
+            </a:schemeClr>
+          </a:solidFill>
+        </p:spPr>
+        <p:style>
+          <a:lnRef idx="2">
+            <a:schemeClr val="accent1">
+              <a:shade val="50000"/>
+            </a:schemeClr>
+          </a:lnRef>
+          <a:fillRef idx="1">
+            <a:schemeClr val="accent1"/>
+          </a:fillRef>
+          <a:effectRef idx="0">
+            <a:schemeClr val="accent1"/>
+          </a:effectRef>
+          <a:fontRef idx="minor">
+            <a:schemeClr val="lt1"/>
+          </a:fontRef>
+        </p:style>
+        <p:txBody>
+          <a:bodyPr rtlCol="0" anchor="ctr"/>
+          <a:lstStyle/>
+          <a:p>
+            <a:pPr algn="ctr"/>
+            <a:endParaRPr lang="en-US"/>
+          </a:p>
+        </p:txBody>
+      </p:sp>
+      <p:sp>
+        <p:nvSpPr>
+          <p:cNvPr id="66" name="Rectangle 65">
+            <a:extLst>
+              <a:ext uri="{FF2B5EF4-FFF2-40B4-BE49-F238E27FC236}">
+                <a16:creationId xmlns:a16="http://schemas.microsoft.com/office/drawing/2014/main" id="{74A88ACC-C757-36DD-3D0D-62F31DF4385C}"/>
+              </a:ext>
+            </a:extLst>
+          </p:cNvPr>
+          <p:cNvSpPr/>
+          <p:nvPr/>
+        </p:nvSpPr>
+        <p:spPr>
+          <a:xfrm>
+            <a:off x="5985164" y="4426683"/>
+            <a:ext cx="4736000" cy="510363"/>
+          </a:xfrm>
+          <a:prstGeom prst="rect">
+            <a:avLst/>
+          </a:prstGeom>
+          <a:solidFill>
+            <a:schemeClr val="bg2">
+              <a:lumMod val="90000"/>
+            </a:schemeClr>
+          </a:solidFill>
+        </p:spPr>
+        <p:style>
+          <a:lnRef idx="2">
+            <a:schemeClr val="accent1">
+              <a:shade val="50000"/>
+            </a:schemeClr>
+          </a:lnRef>
+          <a:fillRef idx="1">
+            <a:schemeClr val="accent1"/>
+          </a:fillRef>
+          <a:effectRef idx="0">
+            <a:schemeClr val="accent1"/>
+          </a:effectRef>
+          <a:fontRef idx="minor">
+            <a:schemeClr val="lt1"/>
+          </a:fontRef>
+        </p:style>
+        <p:txBody>
+          <a:bodyPr rtlCol="0" anchor="ctr"/>
+          <a:lstStyle/>
+          <a:p>
+            <a:pPr algn="ctr"/>
+            <a:endParaRPr lang="en-US"/>
+          </a:p>
+        </p:txBody>
+      </p:sp>
+      <p:sp>
+        <p:nvSpPr>
+          <p:cNvPr id="65" name="Rectangle 64">
+            <a:extLst>
+              <a:ext uri="{FF2B5EF4-FFF2-40B4-BE49-F238E27FC236}">
+                <a16:creationId xmlns:a16="http://schemas.microsoft.com/office/drawing/2014/main" id="{3131C016-2774-1689-722D-15197279F9F4}"/>
+              </a:ext>
+            </a:extLst>
+          </p:cNvPr>
+          <p:cNvSpPr/>
+          <p:nvPr/>
+        </p:nvSpPr>
+        <p:spPr>
+          <a:xfrm>
+            <a:off x="5968538" y="3533552"/>
+            <a:ext cx="4773891" cy="510363"/>
+          </a:xfrm>
+          <a:prstGeom prst="rect">
+            <a:avLst/>
+          </a:prstGeom>
+          <a:solidFill>
+            <a:schemeClr val="bg2">
+              <a:lumMod val="90000"/>
+            </a:schemeClr>
+          </a:solidFill>
+        </p:spPr>
+        <p:style>
+          <a:lnRef idx="2">
+            <a:schemeClr val="accent1">
+              <a:shade val="50000"/>
+            </a:schemeClr>
+          </a:lnRef>
+          <a:fillRef idx="1">
+            <a:schemeClr val="accent1"/>
+          </a:fillRef>
+          <a:effectRef idx="0">
+            <a:schemeClr val="accent1"/>
+          </a:effectRef>
+          <a:fontRef idx="minor">
+            <a:schemeClr val="lt1"/>
+          </a:fontRef>
+        </p:style>
+        <p:txBody>
+          <a:bodyPr rtlCol="0" anchor="ctr"/>
+          <a:lstStyle/>
+          <a:p>
+            <a:pPr algn="ctr"/>
+            <a:endParaRPr lang="en-US"/>
+          </a:p>
+        </p:txBody>
+      </p:sp>
+      <p:sp>
+        <p:nvSpPr>
+          <p:cNvPr id="60" name="Rectangle 59">
+            <a:extLst>
+              <a:ext uri="{FF2B5EF4-FFF2-40B4-BE49-F238E27FC236}">
+                <a16:creationId xmlns:a16="http://schemas.microsoft.com/office/drawing/2014/main" id="{07998078-D0B4-2D40-9366-D688BD7087F7}"/>
+              </a:ext>
+            </a:extLst>
+          </p:cNvPr>
+          <p:cNvSpPr/>
+          <p:nvPr/>
+        </p:nvSpPr>
+        <p:spPr>
+          <a:xfrm>
+            <a:off x="5425440" y="2402958"/>
+            <a:ext cx="5164589" cy="510363"/>
+          </a:xfrm>
+          <a:prstGeom prst="rect">
+            <a:avLst/>
+          </a:prstGeom>
+          <a:solidFill>
+            <a:schemeClr val="bg2">
+              <a:lumMod val="90000"/>
+            </a:schemeClr>
+          </a:solidFill>
+        </p:spPr>
+        <p:style>
+          <a:lnRef idx="2">
+            <a:schemeClr val="accent1">
+              <a:shade val="50000"/>
+            </a:schemeClr>
+          </a:lnRef>
+          <a:fillRef idx="1">
+            <a:schemeClr val="accent1"/>
+          </a:fillRef>
+          <a:effectRef idx="0">
+            <a:schemeClr val="accent1"/>
+          </a:effectRef>
+          <a:fontRef idx="minor">
+            <a:schemeClr val="lt1"/>
+          </a:fontRef>
+        </p:style>
+        <p:txBody>
+          <a:bodyPr rtlCol="0" anchor="ctr"/>
+          <a:lstStyle/>
+          <a:p>
+            <a:pPr algn="ctr"/>
+            <a:endParaRPr lang="en-US"/>
+          </a:p>
+        </p:txBody>
+      </p:sp>
+      <p:sp>
+        <p:nvSpPr>
+          <p:cNvPr id="4" name="TextBox 3">
+            <a:extLst>
+              <a:ext uri="{FF2B5EF4-FFF2-40B4-BE49-F238E27FC236}">
+                <a16:creationId xmlns:a16="http://schemas.microsoft.com/office/drawing/2014/main" id="{A38CE4C5-F993-F34E-E6F1-EA7738C9BF78}"/>
+              </a:ext>
+            </a:extLst>
+          </p:cNvPr>
+          <p:cNvSpPr txBox="1"/>
+          <p:nvPr/>
+        </p:nvSpPr>
+        <p:spPr>
+          <a:xfrm>
+            <a:off x="2751055" y="910529"/>
+            <a:ext cx="1948675" cy="369332"/>
+          </a:xfrm>
+          <a:prstGeom prst="rect">
+            <a:avLst/>
+          </a:prstGeom>
+          <a:noFill/>
+        </p:spPr>
+        <p:txBody>
+          <a:bodyPr wrap="none" rtlCol="0">
+            <a:spAutoFit/>
+          </a:bodyPr>
+          <a:lstStyle/>
+          <a:p>
+            <a:r>
+              <a:rPr lang="en-US" dirty="0"/>
+              <a:t>Total Sensor # 400 </a:t>
+            </a:r>
+          </a:p>
+        </p:txBody>
+      </p:sp>
+      <p:sp>
+        <p:nvSpPr>
+          <p:cNvPr id="11" name="TextBox 10">
+            <a:extLst>
+              <a:ext uri="{FF2B5EF4-FFF2-40B4-BE49-F238E27FC236}">
+                <a16:creationId xmlns:a16="http://schemas.microsoft.com/office/drawing/2014/main" id="{D2F472C8-73F6-A0A0-8000-7E549363D0A5}"/>
+              </a:ext>
+            </a:extLst>
+          </p:cNvPr>
+          <p:cNvSpPr txBox="1"/>
+          <p:nvPr/>
+        </p:nvSpPr>
+        <p:spPr>
+          <a:xfrm>
+            <a:off x="6240308" y="1839237"/>
+            <a:ext cx="1077026" cy="369332"/>
+          </a:xfrm>
+          <a:prstGeom prst="rect">
+            <a:avLst/>
+          </a:prstGeom>
+          <a:noFill/>
+        </p:spPr>
+        <p:txBody>
+          <a:bodyPr wrap="none" rtlCol="0">
+            <a:spAutoFit/>
+          </a:bodyPr>
+          <a:lstStyle/>
+          <a:p>
+            <a:r>
+              <a:rPr lang="en-US" dirty="0"/>
+              <a:t>Radiation</a:t>
+            </a:r>
+          </a:p>
+        </p:txBody>
+      </p:sp>
+      <p:sp>
+        <p:nvSpPr>
+          <p:cNvPr id="12" name="Oval 11">
+            <a:extLst>
+              <a:ext uri="{FF2B5EF4-FFF2-40B4-BE49-F238E27FC236}">
+                <a16:creationId xmlns:a16="http://schemas.microsoft.com/office/drawing/2014/main" id="{C43557B8-E6FF-D6D1-B691-6F5682962843}"/>
+              </a:ext>
+            </a:extLst>
+          </p:cNvPr>
+          <p:cNvSpPr/>
+          <p:nvPr/>
+        </p:nvSpPr>
+        <p:spPr>
+          <a:xfrm>
+            <a:off x="8156254" y="1850017"/>
+            <a:ext cx="578969" cy="430799"/>
+          </a:xfrm>
+          <a:prstGeom prst="ellipse">
+            <a:avLst/>
+          </a:prstGeom>
+          <a:solidFill>
+            <a:schemeClr val="accent6"/>
+          </a:solidFill>
+          <a:ln>
+            <a:noFill/>
+          </a:ln>
+        </p:spPr>
+        <p:style>
+          <a:lnRef idx="2">
+            <a:schemeClr val="accent1">
+              <a:shade val="50000"/>
+            </a:schemeClr>
+          </a:lnRef>
+          <a:fillRef idx="1">
+            <a:schemeClr val="accent1"/>
+          </a:fillRef>
+          <a:effectRef idx="0">
+            <a:schemeClr val="accent1"/>
+          </a:effectRef>
+          <a:fontRef idx="minor">
+            <a:schemeClr val="lt1"/>
+          </a:fontRef>
+        </p:style>
+        <p:txBody>
+          <a:bodyPr rtlCol="0" anchor="ctr"/>
+          <a:lstStyle/>
+          <a:p>
+            <a:pPr algn="ctr"/>
+            <a:r>
+              <a:rPr lang="en-US" sz="1100" dirty="0"/>
+              <a:t>125</a:t>
+            </a:r>
+          </a:p>
+        </p:txBody>
+      </p:sp>
+      <p:sp>
+        <p:nvSpPr>
+          <p:cNvPr id="13" name="Oval 12">
+            <a:extLst>
+              <a:ext uri="{FF2B5EF4-FFF2-40B4-BE49-F238E27FC236}">
+                <a16:creationId xmlns:a16="http://schemas.microsoft.com/office/drawing/2014/main" id="{8C866033-7E13-D58A-99EC-3BAAF30FC54B}"/>
+              </a:ext>
+            </a:extLst>
+          </p:cNvPr>
+          <p:cNvSpPr/>
+          <p:nvPr/>
+        </p:nvSpPr>
+        <p:spPr>
+          <a:xfrm>
+            <a:off x="8914297" y="1824289"/>
+            <a:ext cx="578969" cy="430799"/>
+          </a:xfrm>
+          <a:prstGeom prst="ellipse">
+            <a:avLst/>
+          </a:prstGeom>
+          <a:solidFill>
+            <a:srgbClr val="FFC000"/>
+          </a:solidFill>
+          <a:ln>
+            <a:noFill/>
+          </a:ln>
+        </p:spPr>
+        <p:style>
+          <a:lnRef idx="2">
+            <a:schemeClr val="accent1">
+              <a:shade val="50000"/>
+            </a:schemeClr>
+          </a:lnRef>
+          <a:fillRef idx="1">
+            <a:schemeClr val="accent1"/>
+          </a:fillRef>
+          <a:effectRef idx="0">
+            <a:schemeClr val="accent1"/>
+          </a:effectRef>
+          <a:fontRef idx="minor">
+            <a:schemeClr val="lt1"/>
+          </a:fontRef>
+        </p:style>
+        <p:txBody>
+          <a:bodyPr rtlCol="0" anchor="ctr"/>
+          <a:lstStyle/>
+          <a:p>
+            <a:pPr algn="ctr"/>
+            <a:r>
+              <a:rPr lang="en-US" sz="1100" dirty="0"/>
+              <a:t>250</a:t>
+            </a:r>
+          </a:p>
+        </p:txBody>
+      </p:sp>
+      <p:sp>
+        <p:nvSpPr>
+          <p:cNvPr id="14" name="Oval 13">
+            <a:extLst>
+              <a:ext uri="{FF2B5EF4-FFF2-40B4-BE49-F238E27FC236}">
+                <a16:creationId xmlns:a16="http://schemas.microsoft.com/office/drawing/2014/main" id="{AC864585-37A5-F27F-590B-0F4557FBC580}"/>
+              </a:ext>
+            </a:extLst>
+          </p:cNvPr>
+          <p:cNvSpPr/>
+          <p:nvPr/>
+        </p:nvSpPr>
+        <p:spPr>
+          <a:xfrm>
+            <a:off x="9636712" y="1834185"/>
+            <a:ext cx="578969" cy="430799"/>
+          </a:xfrm>
+          <a:prstGeom prst="ellipse">
+            <a:avLst/>
+          </a:prstGeom>
+          <a:solidFill>
+            <a:srgbClr val="FF0000"/>
+          </a:solidFill>
+          <a:ln>
+            <a:noFill/>
+          </a:ln>
+        </p:spPr>
+        <p:style>
+          <a:lnRef idx="2">
+            <a:schemeClr val="accent1">
+              <a:shade val="50000"/>
+            </a:schemeClr>
+          </a:lnRef>
+          <a:fillRef idx="1">
+            <a:schemeClr val="accent1"/>
+          </a:fillRef>
+          <a:effectRef idx="0">
+            <a:schemeClr val="accent1"/>
+          </a:effectRef>
+          <a:fontRef idx="minor">
+            <a:schemeClr val="lt1"/>
+          </a:fontRef>
+        </p:style>
+        <p:txBody>
+          <a:bodyPr rtlCol="0" anchor="ctr"/>
+          <a:lstStyle/>
+          <a:p>
+            <a:pPr algn="ctr"/>
+            <a:r>
+              <a:rPr lang="en-US" sz="1100" dirty="0"/>
+              <a:t>172</a:t>
+            </a:r>
+          </a:p>
+        </p:txBody>
+      </p:sp>
+      <p:sp>
+        <p:nvSpPr>
+          <p:cNvPr id="15" name="TextBox 14">
+            <a:extLst>
+              <a:ext uri="{FF2B5EF4-FFF2-40B4-BE49-F238E27FC236}">
+                <a16:creationId xmlns:a16="http://schemas.microsoft.com/office/drawing/2014/main" id="{44810A6E-800D-BA20-B5C5-7673E7FD7741}"/>
+              </a:ext>
+            </a:extLst>
+          </p:cNvPr>
+          <p:cNvSpPr txBox="1"/>
+          <p:nvPr/>
+        </p:nvSpPr>
+        <p:spPr>
+          <a:xfrm>
+            <a:off x="6002239" y="-126810"/>
+            <a:ext cx="184731" cy="369332"/>
+          </a:xfrm>
+          <a:prstGeom prst="rect">
+            <a:avLst/>
+          </a:prstGeom>
+          <a:noFill/>
+        </p:spPr>
+        <p:txBody>
+          <a:bodyPr wrap="none" rtlCol="0">
+            <a:spAutoFit/>
+          </a:bodyPr>
+          <a:lstStyle/>
+          <a:p>
+            <a:endParaRPr lang="en-US" dirty="0"/>
+          </a:p>
+        </p:txBody>
+      </p:sp>
+      <p:sp>
+        <p:nvSpPr>
+          <p:cNvPr id="16" name="TextBox 15">
+            <a:extLst>
+              <a:ext uri="{FF2B5EF4-FFF2-40B4-BE49-F238E27FC236}">
+                <a16:creationId xmlns:a16="http://schemas.microsoft.com/office/drawing/2014/main" id="{2D6422BC-714A-AF93-D6A8-D6ED6B1DA9BE}"/>
+              </a:ext>
+            </a:extLst>
+          </p:cNvPr>
+          <p:cNvSpPr txBox="1"/>
+          <p:nvPr/>
+        </p:nvSpPr>
+        <p:spPr>
+          <a:xfrm>
+            <a:off x="6156490" y="2421837"/>
+            <a:ext cx="2130442" cy="369332"/>
+          </a:xfrm>
+          <a:prstGeom prst="rect">
+            <a:avLst/>
+          </a:prstGeom>
+          <a:noFill/>
+        </p:spPr>
+        <p:txBody>
+          <a:bodyPr wrap="square" rtlCol="0">
+            <a:spAutoFit/>
+          </a:bodyPr>
+          <a:lstStyle/>
+          <a:p>
+            <a:r>
+              <a:rPr lang="en-US" dirty="0"/>
+              <a:t>Refrigerator</a:t>
+            </a:r>
+          </a:p>
+        </p:txBody>
+      </p:sp>
+      <p:sp>
+        <p:nvSpPr>
+          <p:cNvPr id="17" name="TextBox 16">
+            <a:extLst>
+              <a:ext uri="{FF2B5EF4-FFF2-40B4-BE49-F238E27FC236}">
+                <a16:creationId xmlns:a16="http://schemas.microsoft.com/office/drawing/2014/main" id="{DFC9060C-76E3-2CEF-C531-9B72DFF9AF31}"/>
+              </a:ext>
+            </a:extLst>
+          </p:cNvPr>
+          <p:cNvSpPr txBox="1"/>
+          <p:nvPr/>
+        </p:nvSpPr>
+        <p:spPr>
+          <a:xfrm>
+            <a:off x="6272528" y="3055951"/>
+            <a:ext cx="1409360" cy="369332"/>
+          </a:xfrm>
+          <a:prstGeom prst="rect">
+            <a:avLst/>
+          </a:prstGeom>
+          <a:noFill/>
+        </p:spPr>
+        <p:txBody>
+          <a:bodyPr wrap="none" rtlCol="0">
+            <a:spAutoFit/>
+          </a:bodyPr>
+          <a:lstStyle/>
+          <a:p>
+            <a:r>
+              <a:rPr lang="en-US" dirty="0"/>
+              <a:t>Wind Speeds</a:t>
+            </a:r>
+          </a:p>
+        </p:txBody>
+      </p:sp>
+      <p:sp>
+        <p:nvSpPr>
+          <p:cNvPr id="18" name="Rectangle 17">
+            <a:extLst>
+              <a:ext uri="{FF2B5EF4-FFF2-40B4-BE49-F238E27FC236}">
+                <a16:creationId xmlns:a16="http://schemas.microsoft.com/office/drawing/2014/main" id="{DFF09D01-68DE-FDCE-264D-CF4466C0B8DB}"/>
+              </a:ext>
+            </a:extLst>
+          </p:cNvPr>
+          <p:cNvSpPr/>
+          <p:nvPr/>
+        </p:nvSpPr>
+        <p:spPr>
+          <a:xfrm>
+            <a:off x="6326809" y="3505038"/>
+            <a:ext cx="1772793" cy="369332"/>
+          </a:xfrm>
+          <a:prstGeom prst="rect">
+            <a:avLst/>
+          </a:prstGeom>
+        </p:spPr>
+        <p:txBody>
+          <a:bodyPr wrap="none">
+            <a:spAutoFit/>
+          </a:bodyPr>
+          <a:lstStyle/>
+          <a:p>
+            <a:r>
+              <a:rPr lang="en-US" dirty="0" err="1"/>
+              <a:t>Seimic</a:t>
+            </a:r>
+            <a:r>
+              <a:rPr lang="en-US" dirty="0"/>
+              <a:t> vibrations</a:t>
+            </a:r>
+          </a:p>
+        </p:txBody>
+      </p:sp>
+      <p:sp>
+        <p:nvSpPr>
+          <p:cNvPr id="19" name="TextBox 18">
+            <a:extLst>
+              <a:ext uri="{FF2B5EF4-FFF2-40B4-BE49-F238E27FC236}">
+                <a16:creationId xmlns:a16="http://schemas.microsoft.com/office/drawing/2014/main" id="{5DEDB6FC-726B-7AA3-D156-4B928BBCF7C5}"/>
+              </a:ext>
+            </a:extLst>
+          </p:cNvPr>
+          <p:cNvSpPr txBox="1"/>
+          <p:nvPr/>
+        </p:nvSpPr>
+        <p:spPr>
+          <a:xfrm>
+            <a:off x="6290885" y="4013307"/>
+            <a:ext cx="1253869" cy="369332"/>
+          </a:xfrm>
+          <a:prstGeom prst="rect">
+            <a:avLst/>
+          </a:prstGeom>
+          <a:noFill/>
+        </p:spPr>
+        <p:txBody>
+          <a:bodyPr wrap="none" rtlCol="0">
+            <a:spAutoFit/>
+          </a:bodyPr>
+          <a:lstStyle/>
+          <a:p>
+            <a:r>
+              <a:rPr lang="en-US" dirty="0"/>
+              <a:t>Air </a:t>
+            </a:r>
+            <a:r>
+              <a:rPr lang="en-US" b="1" dirty="0"/>
+              <a:t>Quality</a:t>
+            </a:r>
+            <a:r>
+              <a:rPr lang="en-US" dirty="0"/>
+              <a:t> </a:t>
+            </a:r>
+          </a:p>
+        </p:txBody>
+      </p:sp>
+      <p:sp>
+        <p:nvSpPr>
+          <p:cNvPr id="21" name="Rectangle 20">
+            <a:extLst>
+              <a:ext uri="{FF2B5EF4-FFF2-40B4-BE49-F238E27FC236}">
+                <a16:creationId xmlns:a16="http://schemas.microsoft.com/office/drawing/2014/main" id="{9CB18F75-A863-EB34-54C0-61F1840A0992}"/>
+              </a:ext>
+            </a:extLst>
+          </p:cNvPr>
+          <p:cNvSpPr/>
+          <p:nvPr/>
+        </p:nvSpPr>
+        <p:spPr>
+          <a:xfrm>
+            <a:off x="6279174" y="4429380"/>
+            <a:ext cx="702436" cy="369332"/>
+          </a:xfrm>
+          <a:prstGeom prst="rect">
+            <a:avLst/>
+          </a:prstGeom>
+        </p:spPr>
+        <p:txBody>
+          <a:bodyPr wrap="none">
+            <a:spAutoFit/>
+          </a:bodyPr>
+          <a:lstStyle/>
+          <a:p>
+            <a:r>
+              <a:rPr lang="en-US" b="0" i="0" dirty="0">
+                <a:solidFill>
+                  <a:srgbClr val="333333"/>
+                </a:solidFill>
+                <a:effectLst/>
+                <a:latin typeface="Source Sans Pro" panose="020B0503030403020204" pitchFamily="34" charset="0"/>
+              </a:rPr>
+              <a:t>noise</a:t>
+            </a:r>
+            <a:endParaRPr lang="en-US" dirty="0"/>
+          </a:p>
+        </p:txBody>
+      </p:sp>
+      <p:sp>
+        <p:nvSpPr>
+          <p:cNvPr id="22" name="Rectangle 21">
+            <a:extLst>
+              <a:ext uri="{FF2B5EF4-FFF2-40B4-BE49-F238E27FC236}">
+                <a16:creationId xmlns:a16="http://schemas.microsoft.com/office/drawing/2014/main" id="{A3FBC805-1F91-6123-0F69-B8A8A674ADF6}"/>
+              </a:ext>
+            </a:extLst>
+          </p:cNvPr>
+          <p:cNvSpPr/>
+          <p:nvPr/>
+        </p:nvSpPr>
+        <p:spPr>
+          <a:xfrm>
+            <a:off x="6254911" y="4945212"/>
+            <a:ext cx="1939955" cy="369332"/>
+          </a:xfrm>
+          <a:prstGeom prst="rect">
+            <a:avLst/>
+          </a:prstGeom>
+        </p:spPr>
+        <p:txBody>
+          <a:bodyPr wrap="none">
+            <a:spAutoFit/>
+          </a:bodyPr>
+          <a:lstStyle/>
+          <a:p>
+            <a:r>
+              <a:rPr lang="en-US" b="0" i="0" dirty="0">
+                <a:solidFill>
+                  <a:srgbClr val="333333"/>
+                </a:solidFill>
+                <a:effectLst/>
+                <a:latin typeface="Source Sans Pro" panose="020B0503030403020204" pitchFamily="34" charset="0"/>
+              </a:rPr>
+              <a:t>Soil contaminants</a:t>
+            </a:r>
+            <a:endParaRPr lang="en-US" dirty="0"/>
+          </a:p>
+        </p:txBody>
+      </p:sp>
+      <p:sp>
+        <p:nvSpPr>
+          <p:cNvPr id="23" name="Rectangle 22">
+            <a:extLst>
+              <a:ext uri="{FF2B5EF4-FFF2-40B4-BE49-F238E27FC236}">
+                <a16:creationId xmlns:a16="http://schemas.microsoft.com/office/drawing/2014/main" id="{33F44F53-EF05-3C33-CF27-A657BFE9462E}"/>
+              </a:ext>
+            </a:extLst>
+          </p:cNvPr>
+          <p:cNvSpPr/>
+          <p:nvPr/>
+        </p:nvSpPr>
+        <p:spPr>
+          <a:xfrm>
+            <a:off x="6066368" y="5521202"/>
+            <a:ext cx="2228431" cy="369332"/>
+          </a:xfrm>
+          <a:prstGeom prst="rect">
+            <a:avLst/>
+          </a:prstGeom>
+        </p:spPr>
+        <p:txBody>
+          <a:bodyPr wrap="none">
+            <a:spAutoFit/>
+          </a:bodyPr>
+          <a:lstStyle/>
+          <a:p>
+            <a:r>
+              <a:rPr lang="en-US" dirty="0"/>
+              <a:t>Ambient temperature</a:t>
+            </a:r>
+          </a:p>
+        </p:txBody>
+      </p:sp>
+      <p:sp>
+        <p:nvSpPr>
+          <p:cNvPr id="38" name="Oval 37">
+            <a:extLst>
+              <a:ext uri="{FF2B5EF4-FFF2-40B4-BE49-F238E27FC236}">
+                <a16:creationId xmlns:a16="http://schemas.microsoft.com/office/drawing/2014/main" id="{A70CD411-510A-78D9-4CDE-0F20B9D3E743}"/>
+              </a:ext>
+            </a:extLst>
+          </p:cNvPr>
+          <p:cNvSpPr/>
+          <p:nvPr/>
+        </p:nvSpPr>
+        <p:spPr>
+          <a:xfrm>
+            <a:off x="8238917" y="2432174"/>
+            <a:ext cx="578969" cy="430799"/>
+          </a:xfrm>
+          <a:prstGeom prst="ellipse">
+            <a:avLst/>
+          </a:prstGeom>
+          <a:solidFill>
+            <a:schemeClr val="accent6"/>
+          </a:solidFill>
+          <a:ln>
+            <a:noFill/>
+          </a:ln>
+        </p:spPr>
+        <p:style>
+          <a:lnRef idx="2">
+            <a:schemeClr val="accent1">
+              <a:shade val="50000"/>
+            </a:schemeClr>
+          </a:lnRef>
+          <a:fillRef idx="1">
+            <a:schemeClr val="accent1"/>
+          </a:fillRef>
+          <a:effectRef idx="0">
+            <a:schemeClr val="accent1"/>
+          </a:effectRef>
+          <a:fontRef idx="minor">
+            <a:schemeClr val="lt1"/>
+          </a:fontRef>
+        </p:style>
+        <p:txBody>
+          <a:bodyPr rtlCol="0" anchor="ctr"/>
+          <a:lstStyle/>
+          <a:p>
+            <a:pPr algn="ctr"/>
+            <a:r>
+              <a:rPr lang="en-US" sz="1100" dirty="0"/>
+              <a:t>125</a:t>
+            </a:r>
+          </a:p>
+        </p:txBody>
+      </p:sp>
+      <p:sp>
+        <p:nvSpPr>
+          <p:cNvPr id="39" name="Oval 38">
+            <a:extLst>
+              <a:ext uri="{FF2B5EF4-FFF2-40B4-BE49-F238E27FC236}">
+                <a16:creationId xmlns:a16="http://schemas.microsoft.com/office/drawing/2014/main" id="{8E47A88C-6CCD-D326-4B92-225752E95DF3}"/>
+              </a:ext>
+            </a:extLst>
+          </p:cNvPr>
+          <p:cNvSpPr/>
+          <p:nvPr/>
+        </p:nvSpPr>
+        <p:spPr>
+          <a:xfrm>
+            <a:off x="8996960" y="2448976"/>
+            <a:ext cx="578969" cy="430799"/>
+          </a:xfrm>
+          <a:prstGeom prst="ellipse">
+            <a:avLst/>
+          </a:prstGeom>
+          <a:solidFill>
+            <a:srgbClr val="FFC000"/>
+          </a:solidFill>
+          <a:ln>
+            <a:noFill/>
+          </a:ln>
+        </p:spPr>
+        <p:style>
+          <a:lnRef idx="2">
+            <a:schemeClr val="accent1">
+              <a:shade val="50000"/>
+            </a:schemeClr>
+          </a:lnRef>
+          <a:fillRef idx="1">
+            <a:schemeClr val="accent1"/>
+          </a:fillRef>
+          <a:effectRef idx="0">
+            <a:schemeClr val="accent1"/>
+          </a:effectRef>
+          <a:fontRef idx="minor">
+            <a:schemeClr val="lt1"/>
+          </a:fontRef>
+        </p:style>
+        <p:txBody>
+          <a:bodyPr rtlCol="0" anchor="ctr"/>
+          <a:lstStyle/>
+          <a:p>
+            <a:pPr algn="ctr"/>
+            <a:r>
+              <a:rPr lang="en-US" sz="1100" dirty="0"/>
+              <a:t>250</a:t>
+            </a:r>
+          </a:p>
+        </p:txBody>
+      </p:sp>
+      <p:sp>
+        <p:nvSpPr>
+          <p:cNvPr id="40" name="Oval 39">
+            <a:extLst>
+              <a:ext uri="{FF2B5EF4-FFF2-40B4-BE49-F238E27FC236}">
+                <a16:creationId xmlns:a16="http://schemas.microsoft.com/office/drawing/2014/main" id="{09EE32F7-BA5C-1AF4-F904-A0E544C32ED0}"/>
+              </a:ext>
+            </a:extLst>
+          </p:cNvPr>
+          <p:cNvSpPr/>
+          <p:nvPr/>
+        </p:nvSpPr>
+        <p:spPr>
+          <a:xfrm>
+            <a:off x="9783171" y="2437605"/>
+            <a:ext cx="578969" cy="430799"/>
+          </a:xfrm>
+          <a:prstGeom prst="ellipse">
+            <a:avLst/>
+          </a:prstGeom>
+          <a:solidFill>
+            <a:srgbClr val="FF0000"/>
+          </a:solidFill>
+          <a:ln>
+            <a:noFill/>
+          </a:ln>
+        </p:spPr>
+        <p:style>
+          <a:lnRef idx="2">
+            <a:schemeClr val="accent1">
+              <a:shade val="50000"/>
+            </a:schemeClr>
+          </a:lnRef>
+          <a:fillRef idx="1">
+            <a:schemeClr val="accent1"/>
+          </a:fillRef>
+          <a:effectRef idx="0">
+            <a:schemeClr val="accent1"/>
+          </a:effectRef>
+          <a:fontRef idx="minor">
+            <a:schemeClr val="lt1"/>
+          </a:fontRef>
+        </p:style>
+        <p:txBody>
+          <a:bodyPr rtlCol="0" anchor="ctr"/>
+          <a:lstStyle/>
+          <a:p>
+            <a:pPr algn="ctr"/>
+            <a:r>
+              <a:rPr lang="en-US" sz="1100" dirty="0"/>
+              <a:t>172</a:t>
+            </a:r>
+          </a:p>
+        </p:txBody>
+      </p:sp>
+      <p:sp>
+        <p:nvSpPr>
+          <p:cNvPr id="41" name="Oval 40">
+            <a:extLst>
+              <a:ext uri="{FF2B5EF4-FFF2-40B4-BE49-F238E27FC236}">
+                <a16:creationId xmlns:a16="http://schemas.microsoft.com/office/drawing/2014/main" id="{5DA4FAD5-29AD-B1C6-AA90-4726E5F1A81F}"/>
+              </a:ext>
+            </a:extLst>
+          </p:cNvPr>
+          <p:cNvSpPr/>
+          <p:nvPr/>
+        </p:nvSpPr>
+        <p:spPr>
+          <a:xfrm>
+            <a:off x="8236937" y="3000207"/>
+            <a:ext cx="578969" cy="430799"/>
+          </a:xfrm>
+          <a:prstGeom prst="ellipse">
+            <a:avLst/>
+          </a:prstGeom>
+          <a:solidFill>
+            <a:schemeClr val="accent6"/>
+          </a:solidFill>
+          <a:ln>
+            <a:noFill/>
+          </a:ln>
+        </p:spPr>
+        <p:style>
+          <a:lnRef idx="2">
+            <a:schemeClr val="accent1">
+              <a:shade val="50000"/>
+            </a:schemeClr>
+          </a:lnRef>
+          <a:fillRef idx="1">
+            <a:schemeClr val="accent1"/>
+          </a:fillRef>
+          <a:effectRef idx="0">
+            <a:schemeClr val="accent1"/>
+          </a:effectRef>
+          <a:fontRef idx="minor">
+            <a:schemeClr val="lt1"/>
+          </a:fontRef>
+        </p:style>
+        <p:txBody>
+          <a:bodyPr rtlCol="0" anchor="ctr"/>
+          <a:lstStyle/>
+          <a:p>
+            <a:pPr algn="ctr"/>
+            <a:r>
+              <a:rPr lang="en-US" sz="1100" dirty="0"/>
+              <a:t>125</a:t>
+            </a:r>
+          </a:p>
+        </p:txBody>
+      </p:sp>
+      <p:sp>
+        <p:nvSpPr>
+          <p:cNvPr id="42" name="Oval 41">
+            <a:extLst>
+              <a:ext uri="{FF2B5EF4-FFF2-40B4-BE49-F238E27FC236}">
+                <a16:creationId xmlns:a16="http://schemas.microsoft.com/office/drawing/2014/main" id="{CB4A6DAF-448C-720A-FC72-C33D1DE40838}"/>
+              </a:ext>
+            </a:extLst>
+          </p:cNvPr>
+          <p:cNvSpPr/>
+          <p:nvPr/>
+        </p:nvSpPr>
+        <p:spPr>
+          <a:xfrm>
+            <a:off x="9016246" y="3017009"/>
+            <a:ext cx="578969" cy="430799"/>
+          </a:xfrm>
+          <a:prstGeom prst="ellipse">
+            <a:avLst/>
+          </a:prstGeom>
+          <a:solidFill>
+            <a:srgbClr val="FFC000"/>
+          </a:solidFill>
+          <a:ln>
+            <a:noFill/>
+          </a:ln>
+        </p:spPr>
+        <p:style>
+          <a:lnRef idx="2">
+            <a:schemeClr val="accent1">
+              <a:shade val="50000"/>
+            </a:schemeClr>
+          </a:lnRef>
+          <a:fillRef idx="1">
+            <a:schemeClr val="accent1"/>
+          </a:fillRef>
+          <a:effectRef idx="0">
+            <a:schemeClr val="accent1"/>
+          </a:effectRef>
+          <a:fontRef idx="minor">
+            <a:schemeClr val="lt1"/>
+          </a:fontRef>
+        </p:style>
+        <p:txBody>
+          <a:bodyPr rtlCol="0" anchor="ctr"/>
+          <a:lstStyle/>
+          <a:p>
+            <a:pPr algn="ctr"/>
+            <a:r>
+              <a:rPr lang="en-US" sz="1100" dirty="0"/>
+              <a:t>250</a:t>
+            </a:r>
+          </a:p>
+        </p:txBody>
+      </p:sp>
+      <p:sp>
+        <p:nvSpPr>
+          <p:cNvPr id="43" name="Oval 42">
+            <a:extLst>
+              <a:ext uri="{FF2B5EF4-FFF2-40B4-BE49-F238E27FC236}">
+                <a16:creationId xmlns:a16="http://schemas.microsoft.com/office/drawing/2014/main" id="{633206B7-8208-3030-4C49-F228B2716D2F}"/>
+              </a:ext>
+            </a:extLst>
+          </p:cNvPr>
+          <p:cNvSpPr/>
+          <p:nvPr/>
+        </p:nvSpPr>
+        <p:spPr>
+          <a:xfrm>
+            <a:off x="9844985" y="2984377"/>
+            <a:ext cx="578969" cy="430799"/>
+          </a:xfrm>
+          <a:prstGeom prst="ellipse">
+            <a:avLst/>
+          </a:prstGeom>
+          <a:solidFill>
+            <a:srgbClr val="FF0000"/>
+          </a:solidFill>
+          <a:ln>
+            <a:noFill/>
+          </a:ln>
+        </p:spPr>
+        <p:style>
+          <a:lnRef idx="2">
+            <a:schemeClr val="accent1">
+              <a:shade val="50000"/>
+            </a:schemeClr>
+          </a:lnRef>
+          <a:fillRef idx="1">
+            <a:schemeClr val="accent1"/>
+          </a:fillRef>
+          <a:effectRef idx="0">
+            <a:schemeClr val="accent1"/>
+          </a:effectRef>
+          <a:fontRef idx="minor">
+            <a:schemeClr val="lt1"/>
+          </a:fontRef>
+        </p:style>
+        <p:txBody>
+          <a:bodyPr rtlCol="0" anchor="ctr"/>
+          <a:lstStyle/>
+          <a:p>
+            <a:pPr algn="ctr"/>
+            <a:r>
+              <a:rPr lang="en-US" sz="1100" dirty="0"/>
+              <a:t>172</a:t>
+            </a:r>
+          </a:p>
+        </p:txBody>
+      </p:sp>
+      <p:sp>
+        <p:nvSpPr>
+          <p:cNvPr id="44" name="Oval 43">
+            <a:extLst>
+              <a:ext uri="{FF2B5EF4-FFF2-40B4-BE49-F238E27FC236}">
+                <a16:creationId xmlns:a16="http://schemas.microsoft.com/office/drawing/2014/main" id="{B57A5CB2-19B7-077E-9DB7-62F95C38F31E}"/>
+              </a:ext>
+            </a:extLst>
+          </p:cNvPr>
+          <p:cNvSpPr/>
+          <p:nvPr/>
+        </p:nvSpPr>
+        <p:spPr>
+          <a:xfrm>
+            <a:off x="8310634" y="4095857"/>
+            <a:ext cx="578969" cy="430799"/>
+          </a:xfrm>
+          <a:prstGeom prst="ellipse">
+            <a:avLst/>
+          </a:prstGeom>
+          <a:solidFill>
+            <a:schemeClr val="accent6"/>
+          </a:solidFill>
+          <a:ln>
+            <a:noFill/>
+          </a:ln>
+        </p:spPr>
+        <p:style>
+          <a:lnRef idx="2">
+            <a:schemeClr val="accent1">
+              <a:shade val="50000"/>
+            </a:schemeClr>
+          </a:lnRef>
+          <a:fillRef idx="1">
+            <a:schemeClr val="accent1"/>
+          </a:fillRef>
+          <a:effectRef idx="0">
+            <a:schemeClr val="accent1"/>
+          </a:effectRef>
+          <a:fontRef idx="minor">
+            <a:schemeClr val="lt1"/>
+          </a:fontRef>
+        </p:style>
+        <p:txBody>
+          <a:bodyPr rtlCol="0" anchor="ctr"/>
+          <a:lstStyle/>
+          <a:p>
+            <a:pPr algn="ctr"/>
+            <a:r>
+              <a:rPr lang="en-US" sz="1100" dirty="0"/>
+              <a:t>125</a:t>
+            </a:r>
+          </a:p>
+        </p:txBody>
+      </p:sp>
+      <p:sp>
+        <p:nvSpPr>
+          <p:cNvPr id="45" name="Oval 44">
+            <a:extLst>
+              <a:ext uri="{FF2B5EF4-FFF2-40B4-BE49-F238E27FC236}">
+                <a16:creationId xmlns:a16="http://schemas.microsoft.com/office/drawing/2014/main" id="{2E201024-53AC-767E-9B33-21CC52C8AED5}"/>
+              </a:ext>
+            </a:extLst>
+          </p:cNvPr>
+          <p:cNvSpPr/>
+          <p:nvPr/>
+        </p:nvSpPr>
+        <p:spPr>
+          <a:xfrm>
+            <a:off x="9068677" y="4133924"/>
+            <a:ext cx="578969" cy="430799"/>
+          </a:xfrm>
+          <a:prstGeom prst="ellipse">
+            <a:avLst/>
+          </a:prstGeom>
+          <a:solidFill>
+            <a:srgbClr val="FFC000"/>
+          </a:solidFill>
+          <a:ln>
+            <a:noFill/>
+          </a:ln>
+        </p:spPr>
+        <p:style>
+          <a:lnRef idx="2">
+            <a:schemeClr val="accent1">
+              <a:shade val="50000"/>
+            </a:schemeClr>
+          </a:lnRef>
+          <a:fillRef idx="1">
+            <a:schemeClr val="accent1"/>
+          </a:fillRef>
+          <a:effectRef idx="0">
+            <a:schemeClr val="accent1"/>
+          </a:effectRef>
+          <a:fontRef idx="minor">
+            <a:schemeClr val="lt1"/>
+          </a:fontRef>
+        </p:style>
+        <p:txBody>
+          <a:bodyPr rtlCol="0" anchor="ctr"/>
+          <a:lstStyle/>
+          <a:p>
+            <a:pPr algn="ctr"/>
+            <a:r>
+              <a:rPr lang="en-US" sz="1100" dirty="0"/>
+              <a:t>250</a:t>
+            </a:r>
+          </a:p>
+        </p:txBody>
+      </p:sp>
+      <p:sp>
+        <p:nvSpPr>
+          <p:cNvPr id="46" name="Oval 45">
+            <a:extLst>
+              <a:ext uri="{FF2B5EF4-FFF2-40B4-BE49-F238E27FC236}">
+                <a16:creationId xmlns:a16="http://schemas.microsoft.com/office/drawing/2014/main" id="{EBF42EFF-32DC-1DC4-8613-72AABE9CA9B8}"/>
+              </a:ext>
+            </a:extLst>
+          </p:cNvPr>
+          <p:cNvSpPr/>
+          <p:nvPr/>
+        </p:nvSpPr>
+        <p:spPr>
+          <a:xfrm>
+            <a:off x="9791092" y="4143820"/>
+            <a:ext cx="578969" cy="430799"/>
+          </a:xfrm>
+          <a:prstGeom prst="ellipse">
+            <a:avLst/>
+          </a:prstGeom>
+          <a:solidFill>
+            <a:srgbClr val="FF0000"/>
+          </a:solidFill>
+          <a:ln>
+            <a:noFill/>
+          </a:ln>
+        </p:spPr>
+        <p:style>
+          <a:lnRef idx="2">
+            <a:schemeClr val="accent1">
+              <a:shade val="50000"/>
+            </a:schemeClr>
+          </a:lnRef>
+          <a:fillRef idx="1">
+            <a:schemeClr val="accent1"/>
+          </a:fillRef>
+          <a:effectRef idx="0">
+            <a:schemeClr val="accent1"/>
+          </a:effectRef>
+          <a:fontRef idx="minor">
+            <a:schemeClr val="lt1"/>
+          </a:fontRef>
+        </p:style>
+        <p:txBody>
+          <a:bodyPr rtlCol="0" anchor="ctr"/>
+          <a:lstStyle/>
+          <a:p>
+            <a:pPr algn="ctr"/>
+            <a:r>
+              <a:rPr lang="en-US" sz="1100" dirty="0"/>
+              <a:t>172</a:t>
+            </a:r>
+          </a:p>
+        </p:txBody>
+      </p:sp>
+      <p:sp>
+        <p:nvSpPr>
+          <p:cNvPr id="47" name="Oval 46">
+            <a:extLst>
+              <a:ext uri="{FF2B5EF4-FFF2-40B4-BE49-F238E27FC236}">
+                <a16:creationId xmlns:a16="http://schemas.microsoft.com/office/drawing/2014/main" id="{79EE29F5-79D9-D1A6-D1FE-252E60BD8FE6}"/>
+              </a:ext>
+            </a:extLst>
+          </p:cNvPr>
+          <p:cNvSpPr/>
+          <p:nvPr/>
+        </p:nvSpPr>
+        <p:spPr>
+          <a:xfrm>
+            <a:off x="8308654" y="4727687"/>
+            <a:ext cx="578969" cy="430799"/>
+          </a:xfrm>
+          <a:prstGeom prst="ellipse">
+            <a:avLst/>
+          </a:prstGeom>
+          <a:solidFill>
+            <a:schemeClr val="accent6"/>
+          </a:solidFill>
+          <a:ln>
+            <a:noFill/>
+          </a:ln>
+        </p:spPr>
+        <p:style>
+          <a:lnRef idx="2">
+            <a:schemeClr val="accent1">
+              <a:shade val="50000"/>
+            </a:schemeClr>
+          </a:lnRef>
+          <a:fillRef idx="1">
+            <a:schemeClr val="accent1"/>
+          </a:fillRef>
+          <a:effectRef idx="0">
+            <a:schemeClr val="accent1"/>
+          </a:effectRef>
+          <a:fontRef idx="minor">
+            <a:schemeClr val="lt1"/>
+          </a:fontRef>
+        </p:style>
+        <p:txBody>
+          <a:bodyPr rtlCol="0" anchor="ctr"/>
+          <a:lstStyle/>
+          <a:p>
+            <a:pPr algn="ctr"/>
+            <a:r>
+              <a:rPr lang="en-US" sz="1100" dirty="0"/>
+              <a:t>125</a:t>
+            </a:r>
+          </a:p>
+        </p:txBody>
+      </p:sp>
+      <p:sp>
+        <p:nvSpPr>
+          <p:cNvPr id="48" name="Oval 47">
+            <a:extLst>
+              <a:ext uri="{FF2B5EF4-FFF2-40B4-BE49-F238E27FC236}">
+                <a16:creationId xmlns:a16="http://schemas.microsoft.com/office/drawing/2014/main" id="{ADB5C806-EDE4-A610-0C57-991B2CB1E045}"/>
+              </a:ext>
+            </a:extLst>
+          </p:cNvPr>
+          <p:cNvSpPr/>
+          <p:nvPr/>
+        </p:nvSpPr>
+        <p:spPr>
+          <a:xfrm>
+            <a:off x="9066697" y="4701959"/>
+            <a:ext cx="578969" cy="430799"/>
+          </a:xfrm>
+          <a:prstGeom prst="ellipse">
+            <a:avLst/>
+          </a:prstGeom>
+          <a:solidFill>
+            <a:srgbClr val="FFC000"/>
+          </a:solidFill>
+          <a:ln>
+            <a:noFill/>
+          </a:ln>
+        </p:spPr>
+        <p:style>
+          <a:lnRef idx="2">
+            <a:schemeClr val="accent1">
+              <a:shade val="50000"/>
+            </a:schemeClr>
+          </a:lnRef>
+          <a:fillRef idx="1">
+            <a:schemeClr val="accent1"/>
+          </a:fillRef>
+          <a:effectRef idx="0">
+            <a:schemeClr val="accent1"/>
+          </a:effectRef>
+          <a:fontRef idx="minor">
+            <a:schemeClr val="lt1"/>
+          </a:fontRef>
+        </p:style>
+        <p:txBody>
+          <a:bodyPr rtlCol="0" anchor="ctr"/>
+          <a:lstStyle/>
+          <a:p>
+            <a:pPr algn="ctr"/>
+            <a:r>
+              <a:rPr lang="en-US" sz="1100" dirty="0"/>
+              <a:t>250</a:t>
+            </a:r>
+          </a:p>
+        </p:txBody>
+      </p:sp>
+      <p:sp>
+        <p:nvSpPr>
+          <p:cNvPr id="49" name="Oval 48">
+            <a:extLst>
+              <a:ext uri="{FF2B5EF4-FFF2-40B4-BE49-F238E27FC236}">
+                <a16:creationId xmlns:a16="http://schemas.microsoft.com/office/drawing/2014/main" id="{D3B7ED6E-F51B-AF26-213F-814A6C6881EF}"/>
+              </a:ext>
+            </a:extLst>
+          </p:cNvPr>
+          <p:cNvSpPr/>
+          <p:nvPr/>
+        </p:nvSpPr>
+        <p:spPr>
+          <a:xfrm>
+            <a:off x="9789112" y="4711855"/>
+            <a:ext cx="578969" cy="430799"/>
+          </a:xfrm>
+          <a:prstGeom prst="ellipse">
+            <a:avLst/>
+          </a:prstGeom>
+          <a:solidFill>
+            <a:srgbClr val="FF0000"/>
+          </a:solidFill>
+          <a:ln>
+            <a:noFill/>
+          </a:ln>
+        </p:spPr>
+        <p:style>
+          <a:lnRef idx="2">
+            <a:schemeClr val="accent1">
+              <a:shade val="50000"/>
+            </a:schemeClr>
+          </a:lnRef>
+          <a:fillRef idx="1">
+            <a:schemeClr val="accent1"/>
+          </a:fillRef>
+          <a:effectRef idx="0">
+            <a:schemeClr val="accent1"/>
+          </a:effectRef>
+          <a:fontRef idx="minor">
+            <a:schemeClr val="lt1"/>
+          </a:fontRef>
+        </p:style>
+        <p:txBody>
+          <a:bodyPr rtlCol="0" anchor="ctr"/>
+          <a:lstStyle/>
+          <a:p>
+            <a:pPr algn="ctr"/>
+            <a:r>
+              <a:rPr lang="en-US" sz="1100" dirty="0"/>
+              <a:t>172</a:t>
+            </a:r>
+          </a:p>
+        </p:txBody>
+      </p:sp>
+      <p:sp>
+        <p:nvSpPr>
+          <p:cNvPr id="50" name="Oval 49">
+            <a:extLst>
+              <a:ext uri="{FF2B5EF4-FFF2-40B4-BE49-F238E27FC236}">
+                <a16:creationId xmlns:a16="http://schemas.microsoft.com/office/drawing/2014/main" id="{EBE65BB4-6824-FEB6-0030-62FABC17D0D3}"/>
+              </a:ext>
+            </a:extLst>
+          </p:cNvPr>
+          <p:cNvSpPr/>
+          <p:nvPr/>
+        </p:nvSpPr>
+        <p:spPr>
+          <a:xfrm>
+            <a:off x="8298855" y="5457163"/>
+            <a:ext cx="578969" cy="430799"/>
+          </a:xfrm>
+          <a:prstGeom prst="ellipse">
+            <a:avLst/>
+          </a:prstGeom>
+          <a:solidFill>
+            <a:schemeClr val="accent6"/>
+          </a:solidFill>
+          <a:ln>
+            <a:noFill/>
+          </a:ln>
+        </p:spPr>
+        <p:style>
+          <a:lnRef idx="2">
+            <a:schemeClr val="accent1">
+              <a:shade val="50000"/>
+            </a:schemeClr>
+          </a:lnRef>
+          <a:fillRef idx="1">
+            <a:schemeClr val="accent1"/>
+          </a:fillRef>
+          <a:effectRef idx="0">
+            <a:schemeClr val="accent1"/>
+          </a:effectRef>
+          <a:fontRef idx="minor">
+            <a:schemeClr val="lt1"/>
+          </a:fontRef>
+        </p:style>
+        <p:txBody>
+          <a:bodyPr rtlCol="0" anchor="ctr"/>
+          <a:lstStyle/>
+          <a:p>
+            <a:pPr algn="ctr"/>
+            <a:r>
+              <a:rPr lang="en-US" sz="1100" dirty="0"/>
+              <a:t>125</a:t>
+            </a:r>
+          </a:p>
+        </p:txBody>
+      </p:sp>
+      <p:sp>
+        <p:nvSpPr>
+          <p:cNvPr id="51" name="Oval 50">
+            <a:extLst>
+              <a:ext uri="{FF2B5EF4-FFF2-40B4-BE49-F238E27FC236}">
+                <a16:creationId xmlns:a16="http://schemas.microsoft.com/office/drawing/2014/main" id="{43F90492-EF4B-C58A-6728-D645A8A124DD}"/>
+              </a:ext>
+            </a:extLst>
+          </p:cNvPr>
+          <p:cNvSpPr/>
+          <p:nvPr/>
+        </p:nvSpPr>
+        <p:spPr>
+          <a:xfrm>
+            <a:off x="9056898" y="5431435"/>
+            <a:ext cx="578969" cy="430799"/>
+          </a:xfrm>
+          <a:prstGeom prst="ellipse">
+            <a:avLst/>
+          </a:prstGeom>
+          <a:solidFill>
+            <a:srgbClr val="FFC000"/>
+          </a:solidFill>
+          <a:ln>
+            <a:noFill/>
+          </a:ln>
+        </p:spPr>
+        <p:style>
+          <a:lnRef idx="2">
+            <a:schemeClr val="accent1">
+              <a:shade val="50000"/>
+            </a:schemeClr>
+          </a:lnRef>
+          <a:fillRef idx="1">
+            <a:schemeClr val="accent1"/>
+          </a:fillRef>
+          <a:effectRef idx="0">
+            <a:schemeClr val="accent1"/>
+          </a:effectRef>
+          <a:fontRef idx="minor">
+            <a:schemeClr val="lt1"/>
+          </a:fontRef>
+        </p:style>
+        <p:txBody>
+          <a:bodyPr rtlCol="0" anchor="ctr"/>
+          <a:lstStyle/>
+          <a:p>
+            <a:pPr algn="ctr"/>
+            <a:r>
+              <a:rPr lang="en-US" sz="1100" dirty="0"/>
+              <a:t>250</a:t>
+            </a:r>
+          </a:p>
+        </p:txBody>
+      </p:sp>
+      <p:sp>
+        <p:nvSpPr>
+          <p:cNvPr id="52" name="Oval 51">
+            <a:extLst>
+              <a:ext uri="{FF2B5EF4-FFF2-40B4-BE49-F238E27FC236}">
+                <a16:creationId xmlns:a16="http://schemas.microsoft.com/office/drawing/2014/main" id="{7A40DB7E-27D9-3FCA-9E44-138D4564A662}"/>
+              </a:ext>
+            </a:extLst>
+          </p:cNvPr>
+          <p:cNvSpPr/>
+          <p:nvPr/>
+        </p:nvSpPr>
+        <p:spPr>
+          <a:xfrm>
+            <a:off x="9779313" y="5441331"/>
+            <a:ext cx="578969" cy="430799"/>
+          </a:xfrm>
+          <a:prstGeom prst="ellipse">
+            <a:avLst/>
+          </a:prstGeom>
+          <a:solidFill>
+            <a:srgbClr val="FF0000"/>
+          </a:solidFill>
+          <a:ln>
+            <a:noFill/>
+          </a:ln>
+        </p:spPr>
+        <p:style>
+          <a:lnRef idx="2">
+            <a:schemeClr val="accent1">
+              <a:shade val="50000"/>
+            </a:schemeClr>
+          </a:lnRef>
+          <a:fillRef idx="1">
+            <a:schemeClr val="accent1"/>
+          </a:fillRef>
+          <a:effectRef idx="0">
+            <a:schemeClr val="accent1"/>
+          </a:effectRef>
+          <a:fontRef idx="minor">
+            <a:schemeClr val="lt1"/>
+          </a:fontRef>
+        </p:style>
+        <p:txBody>
+          <a:bodyPr rtlCol="0" anchor="ctr"/>
+          <a:lstStyle/>
+          <a:p>
+            <a:pPr algn="ctr"/>
+            <a:r>
+              <a:rPr lang="en-US" sz="1100" dirty="0"/>
+              <a:t>172</a:t>
+            </a:r>
+          </a:p>
+        </p:txBody>
+      </p:sp>
+      <p:pic>
+        <p:nvPicPr>
+          <p:cNvPr id="1028" name="Picture 4">
+            <a:extLst>
+              <a:ext uri="{FF2B5EF4-FFF2-40B4-BE49-F238E27FC236}">
+                <a16:creationId xmlns:a16="http://schemas.microsoft.com/office/drawing/2014/main" id="{A6505634-4DC5-A510-0FD8-D42546DA930C}"/>
+              </a:ext>
+            </a:extLst>
+          </p:cNvPr>
+          <p:cNvPicPr>
+            <a:picLocks noChangeAspect="1" noChangeArrowheads="1"/>
+          </p:cNvPicPr>
+          <p:nvPr/>
+        </p:nvPicPr>
+        <p:blipFill rotWithShape="1">
+          <a:blip r:embed="rId3">
+            <a:extLst>
+              <a:ext uri="{28A0092B-C50C-407E-A947-70E740481C1C}">
+                <a14:useLocalDpi xmlns:a14="http://schemas.microsoft.com/office/drawing/2010/main" val="0"/>
+              </a:ext>
+            </a:extLst>
+          </a:blip>
+          <a:srcRect l="24352" t="26117" r="24824" b="1882"/>
+          <a:stretch/>
+        </p:blipFill>
+        <p:spPr bwMode="auto">
+          <a:xfrm>
+            <a:off x="2893947" y="1929217"/>
+            <a:ext cx="2167151" cy="2046755"/>
+          </a:xfrm>
+          <a:prstGeom prst="rect">
+            <a:avLst/>
+          </a:prstGeom>
+          <a:noFill/>
+          <a:extLst>
+            <a:ext uri="{909E8E84-426E-40DD-AFC4-6F175D3DCCD1}">
+              <a14:hiddenFill xmlns:a14="http://schemas.microsoft.com/office/drawing/2010/main">
+                <a:solidFill>
+                  <a:srgbClr val="FFFFFF"/>
+                </a:solidFill>
+              </a14:hiddenFill>
+            </a:ext>
+          </a:extLst>
+        </p:spPr>
+      </p:pic>
+      <p:sp>
+        <p:nvSpPr>
+          <p:cNvPr id="54" name="TextBox 53">
+            <a:extLst>
+              <a:ext uri="{FF2B5EF4-FFF2-40B4-BE49-F238E27FC236}">
+                <a16:creationId xmlns:a16="http://schemas.microsoft.com/office/drawing/2014/main" id="{CE896728-0C21-6805-CD66-786FC14A0AAD}"/>
+              </a:ext>
+            </a:extLst>
+          </p:cNvPr>
+          <p:cNvSpPr txBox="1"/>
+          <p:nvPr/>
+        </p:nvSpPr>
+        <p:spPr>
+          <a:xfrm>
+            <a:off x="2636875" y="255182"/>
+            <a:ext cx="4647106" cy="461665"/>
+          </a:xfrm>
+          <a:prstGeom prst="rect">
+            <a:avLst/>
+          </a:prstGeom>
+          <a:noFill/>
+        </p:spPr>
+        <p:txBody>
+          <a:bodyPr wrap="none" rtlCol="0">
+            <a:spAutoFit/>
+          </a:bodyPr>
+          <a:lstStyle/>
+          <a:p>
+            <a:r>
+              <a:rPr lang="en-US" sz="2400" b="1" dirty="0"/>
+              <a:t>Edge Store Data Services Showcase</a:t>
+            </a:r>
+          </a:p>
+        </p:txBody>
+      </p:sp>
+      <p:sp>
+        <p:nvSpPr>
+          <p:cNvPr id="58" name="TextBox 57">
+            <a:extLst>
+              <a:ext uri="{FF2B5EF4-FFF2-40B4-BE49-F238E27FC236}">
+                <a16:creationId xmlns:a16="http://schemas.microsoft.com/office/drawing/2014/main" id="{6BF34A8F-C4C2-B5E5-C0E6-8B4FE9B452CB}"/>
+              </a:ext>
+            </a:extLst>
+          </p:cNvPr>
+          <p:cNvSpPr txBox="1"/>
+          <p:nvPr/>
+        </p:nvSpPr>
+        <p:spPr>
+          <a:xfrm>
+            <a:off x="6201321" y="1226093"/>
+            <a:ext cx="1335622" cy="584775"/>
+          </a:xfrm>
+          <a:prstGeom prst="rect">
+            <a:avLst/>
+          </a:prstGeom>
+          <a:noFill/>
+        </p:spPr>
+        <p:txBody>
+          <a:bodyPr wrap="none" rtlCol="0">
+            <a:spAutoFit/>
+          </a:bodyPr>
+          <a:lstStyle/>
+          <a:p>
+            <a:r>
+              <a:rPr lang="en-US" sz="3200" b="1" dirty="0"/>
+              <a:t>Sensor</a:t>
+            </a:r>
+          </a:p>
+        </p:txBody>
+      </p:sp>
+      <p:sp>
+        <p:nvSpPr>
+          <p:cNvPr id="59" name="TextBox 58">
+            <a:extLst>
+              <a:ext uri="{FF2B5EF4-FFF2-40B4-BE49-F238E27FC236}">
+                <a16:creationId xmlns:a16="http://schemas.microsoft.com/office/drawing/2014/main" id="{8E7408B2-5F85-C5D2-ABA9-B6F3BD644CC1}"/>
+              </a:ext>
+            </a:extLst>
+          </p:cNvPr>
+          <p:cNvSpPr txBox="1"/>
+          <p:nvPr/>
+        </p:nvSpPr>
+        <p:spPr>
+          <a:xfrm>
+            <a:off x="8203786" y="1208372"/>
+            <a:ext cx="1814343" cy="584775"/>
+          </a:xfrm>
+          <a:prstGeom prst="rect">
+            <a:avLst/>
+          </a:prstGeom>
+          <a:noFill/>
+        </p:spPr>
+        <p:txBody>
+          <a:bodyPr wrap="none" rtlCol="0">
+            <a:spAutoFit/>
+          </a:bodyPr>
+          <a:lstStyle/>
+          <a:p>
+            <a:r>
+              <a:rPr lang="en-US" sz="3200" b="1" dirty="0"/>
+              <a:t>Overview</a:t>
+            </a:r>
+          </a:p>
+        </p:txBody>
+      </p:sp>
+      <p:cxnSp>
+        <p:nvCxnSpPr>
+          <p:cNvPr id="56" name="Straight Connector 55">
+            <a:extLst>
+              <a:ext uri="{FF2B5EF4-FFF2-40B4-BE49-F238E27FC236}">
+                <a16:creationId xmlns:a16="http://schemas.microsoft.com/office/drawing/2014/main" id="{75CFCCBD-C201-0162-FC4D-853D7A5CB8F3}"/>
+              </a:ext>
+            </a:extLst>
+          </p:cNvPr>
+          <p:cNvCxnSpPr>
+            <a:cxnSpLocks/>
+          </p:cNvCxnSpPr>
+          <p:nvPr/>
+        </p:nvCxnSpPr>
+        <p:spPr>
+          <a:xfrm>
+            <a:off x="2551814" y="786809"/>
+            <a:ext cx="8548577" cy="0"/>
+          </a:xfrm>
+          <a:prstGeom prst="line">
+            <a:avLst/>
+          </a:prstGeom>
+        </p:spPr>
+        <p:style>
+          <a:lnRef idx="1">
+            <a:schemeClr val="accent1"/>
+          </a:lnRef>
+          <a:fillRef idx="0">
+            <a:schemeClr val="accent1"/>
+          </a:fillRef>
+          <a:effectRef idx="0">
+            <a:schemeClr val="accent1"/>
+          </a:effectRef>
+          <a:fontRef idx="minor">
+            <a:schemeClr val="tx1"/>
+          </a:fontRef>
+        </p:style>
+      </p:cxnSp>
+      <p:cxnSp>
+        <p:nvCxnSpPr>
+          <p:cNvPr id="63" name="Straight Connector 62">
+            <a:extLst>
+              <a:ext uri="{FF2B5EF4-FFF2-40B4-BE49-F238E27FC236}">
+                <a16:creationId xmlns:a16="http://schemas.microsoft.com/office/drawing/2014/main" id="{19C9F8B8-7E24-62DE-7A2C-B0F47AAED580}"/>
+              </a:ext>
+            </a:extLst>
+          </p:cNvPr>
+          <p:cNvCxnSpPr>
+            <a:cxnSpLocks/>
+          </p:cNvCxnSpPr>
+          <p:nvPr/>
+        </p:nvCxnSpPr>
+        <p:spPr>
+          <a:xfrm>
+            <a:off x="2853069" y="6085366"/>
+            <a:ext cx="8548577" cy="0"/>
+          </a:xfrm>
+          <a:prstGeom prst="line">
+            <a:avLst/>
+          </a:prstGeom>
+        </p:spPr>
+        <p:style>
+          <a:lnRef idx="1">
+            <a:schemeClr val="accent1"/>
+          </a:lnRef>
+          <a:fillRef idx="0">
+            <a:schemeClr val="accent1"/>
+          </a:fillRef>
+          <a:effectRef idx="0">
+            <a:schemeClr val="accent1"/>
+          </a:effectRef>
+          <a:fontRef idx="minor">
+            <a:schemeClr val="tx1"/>
+          </a:fontRef>
+        </p:style>
+      </p:cxnSp>
+      <p:sp>
+        <p:nvSpPr>
+          <p:cNvPr id="68" name="Oval 67">
+            <a:extLst>
+              <a:ext uri="{FF2B5EF4-FFF2-40B4-BE49-F238E27FC236}">
+                <a16:creationId xmlns:a16="http://schemas.microsoft.com/office/drawing/2014/main" id="{10728811-EDA0-F2DE-8C18-50181A987A58}"/>
+              </a:ext>
+            </a:extLst>
+          </p:cNvPr>
+          <p:cNvSpPr/>
+          <p:nvPr/>
+        </p:nvSpPr>
+        <p:spPr>
+          <a:xfrm>
+            <a:off x="8261747" y="3577907"/>
+            <a:ext cx="578969" cy="430799"/>
+          </a:xfrm>
+          <a:prstGeom prst="ellipse">
+            <a:avLst/>
+          </a:prstGeom>
+          <a:solidFill>
+            <a:schemeClr val="accent6"/>
+          </a:solidFill>
+          <a:ln>
+            <a:noFill/>
+          </a:ln>
+        </p:spPr>
+        <p:style>
+          <a:lnRef idx="2">
+            <a:schemeClr val="accent1">
+              <a:shade val="50000"/>
+            </a:schemeClr>
+          </a:lnRef>
+          <a:fillRef idx="1">
+            <a:schemeClr val="accent1"/>
+          </a:fillRef>
+          <a:effectRef idx="0">
+            <a:schemeClr val="accent1"/>
+          </a:effectRef>
+          <a:fontRef idx="minor">
+            <a:schemeClr val="lt1"/>
+          </a:fontRef>
+        </p:style>
+        <p:txBody>
+          <a:bodyPr rtlCol="0" anchor="ctr"/>
+          <a:lstStyle/>
+          <a:p>
+            <a:pPr algn="ctr"/>
+            <a:r>
+              <a:rPr lang="en-US" sz="1100" dirty="0"/>
+              <a:t>125</a:t>
+            </a:r>
+          </a:p>
+        </p:txBody>
+      </p:sp>
+      <p:sp>
+        <p:nvSpPr>
+          <p:cNvPr id="69" name="Oval 68">
+            <a:extLst>
+              <a:ext uri="{FF2B5EF4-FFF2-40B4-BE49-F238E27FC236}">
+                <a16:creationId xmlns:a16="http://schemas.microsoft.com/office/drawing/2014/main" id="{CEB90928-5AD0-A14A-5931-A48F6ADE4B2C}"/>
+              </a:ext>
+            </a:extLst>
+          </p:cNvPr>
+          <p:cNvSpPr/>
+          <p:nvPr/>
+        </p:nvSpPr>
+        <p:spPr>
+          <a:xfrm>
+            <a:off x="9041056" y="3594709"/>
+            <a:ext cx="578969" cy="430799"/>
+          </a:xfrm>
+          <a:prstGeom prst="ellipse">
+            <a:avLst/>
+          </a:prstGeom>
+          <a:solidFill>
+            <a:srgbClr val="FFC000"/>
+          </a:solidFill>
+          <a:ln>
+            <a:noFill/>
+          </a:ln>
+        </p:spPr>
+        <p:style>
+          <a:lnRef idx="2">
+            <a:schemeClr val="accent1">
+              <a:shade val="50000"/>
+            </a:schemeClr>
+          </a:lnRef>
+          <a:fillRef idx="1">
+            <a:schemeClr val="accent1"/>
+          </a:fillRef>
+          <a:effectRef idx="0">
+            <a:schemeClr val="accent1"/>
+          </a:effectRef>
+          <a:fontRef idx="minor">
+            <a:schemeClr val="lt1"/>
+          </a:fontRef>
+        </p:style>
+        <p:txBody>
+          <a:bodyPr rtlCol="0" anchor="ctr"/>
+          <a:lstStyle/>
+          <a:p>
+            <a:pPr algn="ctr"/>
+            <a:r>
+              <a:rPr lang="en-US" sz="1100" dirty="0"/>
+              <a:t>250</a:t>
+            </a:r>
+          </a:p>
+        </p:txBody>
+      </p:sp>
+      <p:sp>
+        <p:nvSpPr>
+          <p:cNvPr id="70" name="Oval 69">
+            <a:extLst>
+              <a:ext uri="{FF2B5EF4-FFF2-40B4-BE49-F238E27FC236}">
+                <a16:creationId xmlns:a16="http://schemas.microsoft.com/office/drawing/2014/main" id="{031C6B7D-03DB-6BFF-0CDB-D975CB98CB7C}"/>
+              </a:ext>
+            </a:extLst>
+          </p:cNvPr>
+          <p:cNvSpPr/>
+          <p:nvPr/>
+        </p:nvSpPr>
+        <p:spPr>
+          <a:xfrm>
+            <a:off x="9869795" y="3562077"/>
+            <a:ext cx="578969" cy="430799"/>
+          </a:xfrm>
+          <a:prstGeom prst="ellipse">
+            <a:avLst/>
+          </a:prstGeom>
+          <a:solidFill>
+            <a:srgbClr val="FF0000"/>
+          </a:solidFill>
+          <a:ln>
+            <a:noFill/>
+          </a:ln>
+        </p:spPr>
+        <p:style>
+          <a:lnRef idx="2">
+            <a:schemeClr val="accent1">
+              <a:shade val="50000"/>
+            </a:schemeClr>
+          </a:lnRef>
+          <a:fillRef idx="1">
+            <a:schemeClr val="accent1"/>
+          </a:fillRef>
+          <a:effectRef idx="0">
+            <a:schemeClr val="accent1"/>
+          </a:effectRef>
+          <a:fontRef idx="minor">
+            <a:schemeClr val="lt1"/>
+          </a:fontRef>
+        </p:style>
+        <p:txBody>
+          <a:bodyPr rtlCol="0" anchor="ctr"/>
+          <a:lstStyle/>
+          <a:p>
+            <a:pPr algn="ctr"/>
+            <a:r>
+              <a:rPr lang="en-US" sz="1100" dirty="0"/>
+              <a:t>172</a:t>
+            </a:r>
+          </a:p>
+        </p:txBody>
+      </p:sp>
+    </p:spTree>
+    <p:extLst>
+      <p:ext uri="{BB962C8B-B14F-4D97-AF65-F5344CB8AC3E}">
+        <p14:creationId xmlns:p14="http://schemas.microsoft.com/office/powerpoint/2010/main" val="3179045295"/>
+      </p:ext>
+    </p:extLst>
+  </p:cSld>
+  <p:clrMapOvr>
+    <a:masterClrMapping/>
+  </p:clrMapOvr>
+</p:sld>
+</file>
+
+<file path=ppt/slides/slide3.xml><?xml version="1.0" encoding="utf-8"?>
+<p:sld xmlns:a="http://schemas.openxmlformats.org/drawingml/2006/main" xmlns:r="http://schemas.openxmlformats.org/officeDocument/2006/relationships" xmlns:p="http://schemas.openxmlformats.org/presentationml/2006/main">
+  <p:cSld>
+    <p:spTree>
+      <p:nvGrpSpPr>
+        <p:cNvPr id="1" name=""/>
+        <p:cNvGrpSpPr/>
+        <p:nvPr/>
+      </p:nvGrpSpPr>
+      <p:grpSpPr>
+        <a:xfrm>
+          <a:off x="0" y="0"/>
+          <a:ext cx="0" cy="0"/>
+          <a:chOff x="0" y="0"/>
+          <a:chExt cx="0" cy="0"/>
+        </a:xfrm>
+      </p:grpSpPr>
       <p:pic>
         <p:nvPicPr>
           <p:cNvPr id="4" name="Picture 3">
@@ -6329,7 +8460,7 @@
 </p:sld>
 </file>
 
-<file path=ppt/slides/slide3.xml><?xml version="1.0" encoding="utf-8"?>
+<file path=ppt/slides/slide4.xml><?xml version="1.0" encoding="utf-8"?>
 <p:sld xmlns:a="http://schemas.openxmlformats.org/drawingml/2006/main" xmlns:r="http://schemas.openxmlformats.org/officeDocument/2006/relationships" xmlns:p="http://schemas.openxmlformats.org/presentationml/2006/main">
   <p:cSld>
     <p:spTree>
